--- a/docs/Software Dependability Presentation - Luciano Bercini.pptx
+++ b/docs/Software Dependability Presentation - Luciano Bercini.pptx
@@ -3669,8 +3669,12 @@
         <a:lstStyle/>
         <a:p>
           <a:r>
-            <a:rPr lang="en-US"/>
-            <a:t>Randoop: added 1300 tests slightly improving coverage.</a:t>
+            <a:rPr lang="en-US" dirty="0" err="1"/>
+            <a:t>Randoop</a:t>
+          </a:r>
+          <a:r>
+            <a:rPr lang="en-US" dirty="0"/>
+            <a:t>: Added 1300 tests slightly improving coverage.</a:t>
           </a:r>
         </a:p>
       </dgm:t>
@@ -3706,7 +3710,7 @@
         <a:p>
           <a:r>
             <a:rPr lang="en-US" dirty="0"/>
-            <a:t>JMH: insights on performance for various libraries.</a:t>
+            <a:t>JMH: Insights on performance for various libraries.</a:t>
           </a:r>
         </a:p>
       </dgm:t>
@@ -3742,7 +3746,7 @@
         <a:p>
           <a:r>
             <a:rPr lang="en-US" dirty="0"/>
-            <a:t>Security: project code marked as clean, only external risks were flagged.</a:t>
+            <a:t>Security: Project code marked as clean, only external risks were flagged.</a:t>
           </a:r>
         </a:p>
       </dgm:t>
@@ -3778,7 +3782,7 @@
         <a:p>
           <a:r>
             <a:rPr lang="en-US" dirty="0"/>
-            <a:t>Web Integration: a simple demonstration web-app (using </a:t>
+            <a:t>Web Integration: A simple demonstration web-app (using </a:t>
           </a:r>
           <a:r>
             <a:rPr lang="en-US" dirty="0" err="1"/>
@@ -5678,8 +5682,12 @@
             <a:buNone/>
           </a:pPr>
           <a:r>
-            <a:rPr lang="en-US" sz="2000" kern="1200"/>
-            <a:t>Randoop: added 1300 tests slightly improving coverage.</a:t>
+            <a:rPr lang="en-US" sz="2000" kern="1200" dirty="0" err="1"/>
+            <a:t>Randoop</a:t>
+          </a:r>
+          <a:r>
+            <a:rPr lang="en-US" sz="2000" kern="1200" dirty="0"/>
+            <a:t>: Added 1300 tests slightly improving coverage.</a:t>
           </a:r>
         </a:p>
       </dsp:txBody>
@@ -5773,7 +5781,7 @@
           </a:pPr>
           <a:r>
             <a:rPr lang="en-US" sz="2000" kern="1200" dirty="0"/>
-            <a:t>JMH: insights on performance for various libraries.</a:t>
+            <a:t>JMH: Insights on performance for various libraries.</a:t>
           </a:r>
         </a:p>
       </dsp:txBody>
@@ -5867,7 +5875,7 @@
           </a:pPr>
           <a:r>
             <a:rPr lang="en-US" sz="2000" kern="1200" dirty="0"/>
-            <a:t>Security: project code marked as clean, only external risks were flagged.</a:t>
+            <a:t>Security: Project code marked as clean, only external risks were flagged.</a:t>
           </a:r>
         </a:p>
       </dsp:txBody>
@@ -5961,7 +5969,7 @@
           </a:pPr>
           <a:r>
             <a:rPr lang="en-US" sz="2000" kern="1200" dirty="0"/>
-            <a:t>Web Integration: a simple demonstration web-app (using </a:t>
+            <a:t>Web Integration: A simple demonstration web-app (using </a:t>
           </a:r>
           <a:r>
             <a:rPr lang="en-US" sz="2000" kern="1200" dirty="0" err="1"/>
@@ -11230,7 +11238,7 @@
           <a:noFill/>
           <a:extLst>
             <a:ext uri="{909E8E84-426E-40dd-AFC4-6F175D3DCCD1}">
-              <a14:hiddenFill xmlns:a14="http://schemas.microsoft.com/office/drawing/2010/main" xmlns="">
+              <a14:hiddenFill xmlns="" xmlns:a14="http://schemas.microsoft.com/office/drawing/2010/main">
                 <a:solidFill>
                   <a:srgbClr val="FFFFFF"/>
                 </a:solidFill>
@@ -11289,7 +11297,7 @@
             </a:ln>
             <a:extLst>
               <a:ext uri="{91240B29-F687-4f45-9708-019B960494DF}">
-                <a14:hiddenLine xmlns:a14="http://schemas.microsoft.com/office/drawing/2010/main" xmlns="" w="9525">
+                <a14:hiddenLine xmlns="" xmlns:a14="http://schemas.microsoft.com/office/drawing/2010/main" w="9525">
                   <a:solidFill>
                     <a:srgbClr val="000000"/>
                   </a:solidFill>
@@ -11379,7 +11387,7 @@
             </a:ln>
             <a:extLst>
               <a:ext uri="{91240B29-F687-4f45-9708-019B960494DF}">
-                <a14:hiddenLine xmlns:a14="http://schemas.microsoft.com/office/drawing/2010/main" xmlns="" w="9525">
+                <a14:hiddenLine xmlns="" xmlns:a14="http://schemas.microsoft.com/office/drawing/2010/main" w="9525">
                   <a:solidFill>
                     <a:srgbClr val="000000"/>
                   </a:solidFill>
@@ -11469,7 +11477,7 @@
             </a:ln>
             <a:extLst>
               <a:ext uri="{91240B29-F687-4f45-9708-019B960494DF}">
-                <a14:hiddenLine xmlns:a14="http://schemas.microsoft.com/office/drawing/2010/main" xmlns="" w="9525">
+                <a14:hiddenLine xmlns="" xmlns:a14="http://schemas.microsoft.com/office/drawing/2010/main" w="9525">
                   <a:solidFill>
                     <a:srgbClr val="000000"/>
                   </a:solidFill>
@@ -11503,7 +11511,7 @@
             </a:ln>
             <a:extLst>
               <a:ext uri="{91240B29-F687-4f45-9708-019B960494DF}">
-                <a14:hiddenLine xmlns:a14="http://schemas.microsoft.com/office/drawing/2010/main" xmlns="" w="9525">
+                <a14:hiddenLine xmlns="" xmlns:a14="http://schemas.microsoft.com/office/drawing/2010/main" w="9525">
                   <a:solidFill>
                     <a:srgbClr val="000000"/>
                   </a:solidFill>
@@ -11593,7 +11601,7 @@
             </a:ln>
             <a:extLst>
               <a:ext uri="{91240B29-F687-4f45-9708-019B960494DF}">
-                <a14:hiddenLine xmlns:a14="http://schemas.microsoft.com/office/drawing/2010/main" xmlns="" w="9525">
+                <a14:hiddenLine xmlns="" xmlns:a14="http://schemas.microsoft.com/office/drawing/2010/main" w="9525">
                   <a:solidFill>
                     <a:srgbClr val="000000"/>
                   </a:solidFill>
@@ -11655,7 +11663,7 @@
             </a:ln>
             <a:extLst>
               <a:ext uri="{91240B29-F687-4f45-9708-019B960494DF}">
-                <a14:hiddenLine xmlns:a14="http://schemas.microsoft.com/office/drawing/2010/main" xmlns="" w="9525">
+                <a14:hiddenLine xmlns="" xmlns:a14="http://schemas.microsoft.com/office/drawing/2010/main" w="9525">
                   <a:solidFill>
                     <a:srgbClr val="000000"/>
                   </a:solidFill>
@@ -11717,7 +11725,7 @@
             </a:ln>
             <a:extLst>
               <a:ext uri="{91240B29-F687-4f45-9708-019B960494DF}">
-                <a14:hiddenLine xmlns:a14="http://schemas.microsoft.com/office/drawing/2010/main" xmlns="" w="9525">
+                <a14:hiddenLine xmlns="" xmlns:a14="http://schemas.microsoft.com/office/drawing/2010/main" w="9525">
                   <a:solidFill>
                     <a:srgbClr val="000000"/>
                   </a:solidFill>
@@ -11807,7 +11815,7 @@
             </a:ln>
             <a:extLst>
               <a:ext uri="{91240B29-F687-4f45-9708-019B960494DF}">
-                <a14:hiddenLine xmlns:a14="http://schemas.microsoft.com/office/drawing/2010/main" xmlns="" w="9525">
+                <a14:hiddenLine xmlns="" xmlns:a14="http://schemas.microsoft.com/office/drawing/2010/main" w="9525">
                   <a:solidFill>
                     <a:srgbClr val="000000"/>
                   </a:solidFill>
@@ -11869,7 +11877,7 @@
             </a:ln>
             <a:extLst>
               <a:ext uri="{91240B29-F687-4f45-9708-019B960494DF}">
-                <a14:hiddenLine xmlns:a14="http://schemas.microsoft.com/office/drawing/2010/main" xmlns="" w="9525">
+                <a14:hiddenLine xmlns="" xmlns:a14="http://schemas.microsoft.com/office/drawing/2010/main" w="9525">
                   <a:solidFill>
                     <a:srgbClr val="000000"/>
                   </a:solidFill>
@@ -11931,7 +11939,7 @@
             </a:ln>
             <a:extLst>
               <a:ext uri="{91240B29-F687-4f45-9708-019B960494DF}">
-                <a14:hiddenLine xmlns:a14="http://schemas.microsoft.com/office/drawing/2010/main" xmlns="" w="9525">
+                <a14:hiddenLine xmlns="" xmlns:a14="http://schemas.microsoft.com/office/drawing/2010/main" w="9525">
                   <a:solidFill>
                     <a:srgbClr val="000000"/>
                   </a:solidFill>
@@ -12021,7 +12029,7 @@
             </a:ln>
             <a:extLst>
               <a:ext uri="{91240B29-F687-4f45-9708-019B960494DF}">
-                <a14:hiddenLine xmlns:a14="http://schemas.microsoft.com/office/drawing/2010/main" xmlns="" w="9525">
+                <a14:hiddenLine xmlns="" xmlns:a14="http://schemas.microsoft.com/office/drawing/2010/main" w="9525">
                   <a:solidFill>
                     <a:srgbClr val="000000"/>
                   </a:solidFill>
@@ -12111,7 +12119,7 @@
             </a:ln>
             <a:extLst>
               <a:ext uri="{91240B29-F687-4f45-9708-019B960494DF}">
-                <a14:hiddenLine xmlns:a14="http://schemas.microsoft.com/office/drawing/2010/main" xmlns="" w="9525">
+                <a14:hiddenLine xmlns="" xmlns:a14="http://schemas.microsoft.com/office/drawing/2010/main" w="9525">
                   <a:solidFill>
                     <a:srgbClr val="000000"/>
                   </a:solidFill>
@@ -12173,7 +12181,7 @@
             </a:ln>
             <a:extLst>
               <a:ext uri="{91240B29-F687-4f45-9708-019B960494DF}">
-                <a14:hiddenLine xmlns:a14="http://schemas.microsoft.com/office/drawing/2010/main" xmlns="" w="9525">
+                <a14:hiddenLine xmlns="" xmlns:a14="http://schemas.microsoft.com/office/drawing/2010/main" w="9525">
                   <a:solidFill>
                     <a:srgbClr val="000000"/>
                   </a:solidFill>
@@ -12283,7 +12291,7 @@
             </a:ln>
             <a:extLst>
               <a:ext uri="{91240B29-F687-4f45-9708-019B960494DF}">
-                <a14:hiddenLine xmlns:a14="http://schemas.microsoft.com/office/drawing/2010/main" xmlns="" w="9525">
+                <a14:hiddenLine xmlns="" xmlns:a14="http://schemas.microsoft.com/office/drawing/2010/main" w="9525">
                   <a:solidFill>
                     <a:srgbClr val="000000"/>
                   </a:solidFill>
@@ -12345,7 +12353,7 @@
             </a:ln>
             <a:extLst>
               <a:ext uri="{91240B29-F687-4f45-9708-019B960494DF}">
-                <a14:hiddenLine xmlns:a14="http://schemas.microsoft.com/office/drawing/2010/main" xmlns="" w="9525">
+                <a14:hiddenLine xmlns="" xmlns:a14="http://schemas.microsoft.com/office/drawing/2010/main" w="9525">
                   <a:solidFill>
                     <a:srgbClr val="000000"/>
                   </a:solidFill>
@@ -12435,7 +12443,7 @@
             </a:ln>
             <a:extLst>
               <a:ext uri="{91240B29-F687-4f45-9708-019B960494DF}">
-                <a14:hiddenLine xmlns:a14="http://schemas.microsoft.com/office/drawing/2010/main" xmlns="" w="9525">
+                <a14:hiddenLine xmlns="" xmlns:a14="http://schemas.microsoft.com/office/drawing/2010/main" w="9525">
                   <a:solidFill>
                     <a:srgbClr val="000000"/>
                   </a:solidFill>
@@ -12525,7 +12533,7 @@
             </a:ln>
             <a:extLst>
               <a:ext uri="{91240B29-F687-4f45-9708-019B960494DF}">
-                <a14:hiddenLine xmlns:a14="http://schemas.microsoft.com/office/drawing/2010/main" xmlns="" w="9525">
+                <a14:hiddenLine xmlns="" xmlns:a14="http://schemas.microsoft.com/office/drawing/2010/main" w="9525">
                   <a:solidFill>
                     <a:srgbClr val="000000"/>
                   </a:solidFill>
@@ -12587,7 +12595,7 @@
             </a:ln>
             <a:extLst>
               <a:ext uri="{91240B29-F687-4f45-9708-019B960494DF}">
-                <a14:hiddenLine xmlns:a14="http://schemas.microsoft.com/office/drawing/2010/main" xmlns="" w="9525">
+                <a14:hiddenLine xmlns="" xmlns:a14="http://schemas.microsoft.com/office/drawing/2010/main" w="9525">
                   <a:solidFill>
                     <a:srgbClr val="000000"/>
                   </a:solidFill>
@@ -12677,7 +12685,7 @@
             </a:ln>
             <a:extLst>
               <a:ext uri="{91240B29-F687-4f45-9708-019B960494DF}">
-                <a14:hiddenLine xmlns:a14="http://schemas.microsoft.com/office/drawing/2010/main" xmlns="" w="9525">
+                <a14:hiddenLine xmlns="" xmlns:a14="http://schemas.microsoft.com/office/drawing/2010/main" w="9525">
                   <a:solidFill>
                     <a:srgbClr val="000000"/>
                   </a:solidFill>
@@ -12767,7 +12775,7 @@
             </a:ln>
             <a:extLst>
               <a:ext uri="{91240B29-F687-4f45-9708-019B960494DF}">
-                <a14:hiddenLine xmlns:a14="http://schemas.microsoft.com/office/drawing/2010/main" xmlns="" w="9525">
+                <a14:hiddenLine xmlns="" xmlns:a14="http://schemas.microsoft.com/office/drawing/2010/main" w="9525">
                   <a:solidFill>
                     <a:srgbClr val="000000"/>
                   </a:solidFill>
@@ -12823,7 +12831,7 @@
             </a:ln>
             <a:extLst>
               <a:ext uri="{91240B29-F687-4f45-9708-019B960494DF}">
-                <a14:hiddenLine xmlns:a14="http://schemas.microsoft.com/office/drawing/2010/main" xmlns="" w="9525">
+                <a14:hiddenLine xmlns="" xmlns:a14="http://schemas.microsoft.com/office/drawing/2010/main" w="9525">
                   <a:solidFill>
                     <a:srgbClr val="000000"/>
                   </a:solidFill>
@@ -12913,7 +12921,7 @@
             </a:ln>
             <a:extLst>
               <a:ext uri="{91240B29-F687-4f45-9708-019B960494DF}">
-                <a14:hiddenLine xmlns:a14="http://schemas.microsoft.com/office/drawing/2010/main" xmlns="" w="9525">
+                <a14:hiddenLine xmlns="" xmlns:a14="http://schemas.microsoft.com/office/drawing/2010/main" w="9525">
                   <a:solidFill>
                     <a:srgbClr val="000000"/>
                   </a:solidFill>
@@ -12969,7 +12977,7 @@
             </a:ln>
             <a:extLst>
               <a:ext uri="{91240B29-F687-4f45-9708-019B960494DF}">
-                <a14:hiddenLine xmlns:a14="http://schemas.microsoft.com/office/drawing/2010/main" xmlns="" w="9525">
+                <a14:hiddenLine xmlns="" xmlns:a14="http://schemas.microsoft.com/office/drawing/2010/main" w="9525">
                   <a:solidFill>
                     <a:srgbClr val="000000"/>
                   </a:solidFill>
@@ -13059,7 +13067,7 @@
             </a:ln>
             <a:extLst>
               <a:ext uri="{91240B29-F687-4f45-9708-019B960494DF}">
-                <a14:hiddenLine xmlns:a14="http://schemas.microsoft.com/office/drawing/2010/main" xmlns="" w="9525">
+                <a14:hiddenLine xmlns="" xmlns:a14="http://schemas.microsoft.com/office/drawing/2010/main" w="9525">
                   <a:solidFill>
                     <a:srgbClr val="000000"/>
                   </a:solidFill>
@@ -13127,7 +13135,7 @@
             </a:ln>
             <a:extLst>
               <a:ext uri="{91240B29-F687-4f45-9708-019B960494DF}">
-                <a14:hiddenLine xmlns:a14="http://schemas.microsoft.com/office/drawing/2010/main" xmlns="" w="9525">
+                <a14:hiddenLine xmlns="" xmlns:a14="http://schemas.microsoft.com/office/drawing/2010/main" w="9525">
                   <a:solidFill>
                     <a:srgbClr val="000000"/>
                   </a:solidFill>
@@ -13217,7 +13225,7 @@
             </a:ln>
             <a:extLst>
               <a:ext uri="{91240B29-F687-4f45-9708-019B960494DF}">
-                <a14:hiddenLine xmlns:a14="http://schemas.microsoft.com/office/drawing/2010/main" xmlns="" w="9525">
+                <a14:hiddenLine xmlns="" xmlns:a14="http://schemas.microsoft.com/office/drawing/2010/main" w="9525">
                   <a:solidFill>
                     <a:srgbClr val="000000"/>
                   </a:solidFill>
@@ -13285,7 +13293,7 @@
             </a:ln>
             <a:extLst>
               <a:ext uri="{91240B29-F687-4f45-9708-019B960494DF}">
-                <a14:hiddenLine xmlns:a14="http://schemas.microsoft.com/office/drawing/2010/main" xmlns="" w="9525">
+                <a14:hiddenLine xmlns="" xmlns:a14="http://schemas.microsoft.com/office/drawing/2010/main" w="9525">
                   <a:solidFill>
                     <a:srgbClr val="000000"/>
                   </a:solidFill>
@@ -13375,7 +13383,7 @@
             </a:ln>
             <a:extLst>
               <a:ext uri="{91240B29-F687-4f45-9708-019B960494DF}">
-                <a14:hiddenLine xmlns:a14="http://schemas.microsoft.com/office/drawing/2010/main" xmlns="" w="9525">
+                <a14:hiddenLine xmlns="" xmlns:a14="http://schemas.microsoft.com/office/drawing/2010/main" w="9525">
                   <a:solidFill>
                     <a:srgbClr val="000000"/>
                   </a:solidFill>
@@ -13409,7 +13417,7 @@
             </a:ln>
             <a:extLst>
               <a:ext uri="{91240B29-F687-4f45-9708-019B960494DF}">
-                <a14:hiddenLine xmlns:a14="http://schemas.microsoft.com/office/drawing/2010/main" xmlns="" w="9525">
+                <a14:hiddenLine xmlns="" xmlns:a14="http://schemas.microsoft.com/office/drawing/2010/main" w="9525">
                   <a:solidFill>
                     <a:srgbClr val="000000"/>
                   </a:solidFill>
@@ -13499,7 +13507,7 @@
             </a:ln>
             <a:extLst>
               <a:ext uri="{91240B29-F687-4f45-9708-019B960494DF}">
-                <a14:hiddenLine xmlns:a14="http://schemas.microsoft.com/office/drawing/2010/main" xmlns="" w="9525">
+                <a14:hiddenLine xmlns="" xmlns:a14="http://schemas.microsoft.com/office/drawing/2010/main" w="9525">
                   <a:solidFill>
                     <a:srgbClr val="000000"/>
                   </a:solidFill>
@@ -13561,7 +13569,7 @@
             </a:ln>
             <a:extLst>
               <a:ext uri="{91240B29-F687-4f45-9708-019B960494DF}">
-                <a14:hiddenLine xmlns:a14="http://schemas.microsoft.com/office/drawing/2010/main" xmlns="" w="9525">
+                <a14:hiddenLine xmlns="" xmlns:a14="http://schemas.microsoft.com/office/drawing/2010/main" w="9525">
                   <a:solidFill>
                     <a:srgbClr val="000000"/>
                   </a:solidFill>
@@ -13623,7 +13631,7 @@
             </a:ln>
             <a:extLst>
               <a:ext uri="{91240B29-F687-4f45-9708-019B960494DF}">
-                <a14:hiddenLine xmlns:a14="http://schemas.microsoft.com/office/drawing/2010/main" xmlns="" w="9525">
+                <a14:hiddenLine xmlns="" xmlns:a14="http://schemas.microsoft.com/office/drawing/2010/main" w="9525">
                   <a:solidFill>
                     <a:srgbClr val="000000"/>
                   </a:solidFill>
@@ -13713,7 +13721,7 @@
             </a:ln>
             <a:extLst>
               <a:ext uri="{91240B29-F687-4f45-9708-019B960494DF}">
-                <a14:hiddenLine xmlns:a14="http://schemas.microsoft.com/office/drawing/2010/main" xmlns="" w="9525">
+                <a14:hiddenLine xmlns="" xmlns:a14="http://schemas.microsoft.com/office/drawing/2010/main" w="9525">
                   <a:solidFill>
                     <a:srgbClr val="000000"/>
                   </a:solidFill>
@@ -13781,7 +13789,7 @@
             </a:ln>
             <a:extLst>
               <a:ext uri="{91240B29-F687-4f45-9708-019B960494DF}">
-                <a14:hiddenLine xmlns:a14="http://schemas.microsoft.com/office/drawing/2010/main" xmlns="" w="9525">
+                <a14:hiddenLine xmlns="" xmlns:a14="http://schemas.microsoft.com/office/drawing/2010/main" w="9525">
                   <a:solidFill>
                     <a:srgbClr val="000000"/>
                   </a:solidFill>
@@ -13843,7 +13851,7 @@
             </a:ln>
             <a:extLst>
               <a:ext uri="{91240B29-F687-4f45-9708-019B960494DF}">
-                <a14:hiddenLine xmlns:a14="http://schemas.microsoft.com/office/drawing/2010/main" xmlns="" w="9525">
+                <a14:hiddenLine xmlns="" xmlns:a14="http://schemas.microsoft.com/office/drawing/2010/main" w="9525">
                   <a:solidFill>
                     <a:srgbClr val="000000"/>
                   </a:solidFill>
@@ -13933,7 +13941,7 @@
             </a:ln>
             <a:extLst>
               <a:ext uri="{91240B29-F687-4f45-9708-019B960494DF}">
-                <a14:hiddenLine xmlns:a14="http://schemas.microsoft.com/office/drawing/2010/main" xmlns="" w="9525">
+                <a14:hiddenLine xmlns="" xmlns:a14="http://schemas.microsoft.com/office/drawing/2010/main" w="9525">
                   <a:solidFill>
                     <a:srgbClr val="000000"/>
                   </a:solidFill>
@@ -13995,7 +14003,7 @@
             </a:ln>
             <a:extLst>
               <a:ext uri="{91240B29-F687-4f45-9708-019B960494DF}">
-                <a14:hiddenLine xmlns:a14="http://schemas.microsoft.com/office/drawing/2010/main" xmlns="" w="9525">
+                <a14:hiddenLine xmlns="" xmlns:a14="http://schemas.microsoft.com/office/drawing/2010/main" w="9525">
                   <a:solidFill>
                     <a:srgbClr val="000000"/>
                   </a:solidFill>
@@ -14085,7 +14093,7 @@
             </a:ln>
             <a:extLst>
               <a:ext uri="{91240B29-F687-4f45-9708-019B960494DF}">
-                <a14:hiddenLine xmlns:a14="http://schemas.microsoft.com/office/drawing/2010/main" xmlns="" w="9525">
+                <a14:hiddenLine xmlns="" xmlns:a14="http://schemas.microsoft.com/office/drawing/2010/main" w="9525">
                   <a:solidFill>
                     <a:srgbClr val="000000"/>
                   </a:solidFill>
@@ -14147,7 +14155,7 @@
             </a:ln>
             <a:extLst>
               <a:ext uri="{91240B29-F687-4f45-9708-019B960494DF}">
-                <a14:hiddenLine xmlns:a14="http://schemas.microsoft.com/office/drawing/2010/main" xmlns="" w="9525">
+                <a14:hiddenLine xmlns="" xmlns:a14="http://schemas.microsoft.com/office/drawing/2010/main" w="9525">
                   <a:solidFill>
                     <a:srgbClr val="000000"/>
                   </a:solidFill>
@@ -14237,7 +14245,7 @@
             </a:ln>
             <a:extLst>
               <a:ext uri="{91240B29-F687-4f45-9708-019B960494DF}">
-                <a14:hiddenLine xmlns:a14="http://schemas.microsoft.com/office/drawing/2010/main" xmlns="" w="9525">
+                <a14:hiddenLine xmlns="" xmlns:a14="http://schemas.microsoft.com/office/drawing/2010/main" w="9525">
                   <a:solidFill>
                     <a:srgbClr val="000000"/>
                   </a:solidFill>
@@ -14271,7 +14279,7 @@
             </a:ln>
             <a:extLst>
               <a:ext uri="{91240B29-F687-4f45-9708-019B960494DF}">
-                <a14:hiddenLine xmlns:a14="http://schemas.microsoft.com/office/drawing/2010/main" xmlns="" w="9525">
+                <a14:hiddenLine xmlns="" xmlns:a14="http://schemas.microsoft.com/office/drawing/2010/main" w="9525">
                   <a:solidFill>
                     <a:srgbClr val="000000"/>
                   </a:solidFill>
@@ -14336,7 +14344,7 @@
             </a:ln>
             <a:extLst>
               <a:ext uri="{91240B29-F687-4f45-9708-019B960494DF}">
-                <a14:hiddenLine xmlns:a14="http://schemas.microsoft.com/office/drawing/2010/main" xmlns="" w="9525">
+                <a14:hiddenLine xmlns="" xmlns:a14="http://schemas.microsoft.com/office/drawing/2010/main" w="9525">
                   <a:solidFill>
                     <a:srgbClr val="000000"/>
                   </a:solidFill>
@@ -14426,7 +14434,7 @@
             </a:ln>
             <a:extLst>
               <a:ext uri="{91240B29-F687-4f45-9708-019B960494DF}">
-                <a14:hiddenLine xmlns:a14="http://schemas.microsoft.com/office/drawing/2010/main" xmlns="" w="9525">
+                <a14:hiddenLine xmlns="" xmlns:a14="http://schemas.microsoft.com/office/drawing/2010/main" w="9525">
                   <a:solidFill>
                     <a:srgbClr val="000000"/>
                   </a:solidFill>
@@ -14488,7 +14496,7 @@
             </a:ln>
             <a:extLst>
               <a:ext uri="{91240B29-F687-4f45-9708-019B960494DF}">
-                <a14:hiddenLine xmlns:a14="http://schemas.microsoft.com/office/drawing/2010/main" xmlns="" w="9525">
+                <a14:hiddenLine xmlns="" xmlns:a14="http://schemas.microsoft.com/office/drawing/2010/main" w="9525">
                   <a:solidFill>
                     <a:srgbClr val="000000"/>
                   </a:solidFill>
@@ -14578,7 +14586,7 @@
             </a:ln>
             <a:extLst>
               <a:ext uri="{91240B29-F687-4f45-9708-019B960494DF}">
-                <a14:hiddenLine xmlns:a14="http://schemas.microsoft.com/office/drawing/2010/main" xmlns="" w="9525">
+                <a14:hiddenLine xmlns="" xmlns:a14="http://schemas.microsoft.com/office/drawing/2010/main" w="9525">
                   <a:solidFill>
                     <a:srgbClr val="000000"/>
                   </a:solidFill>
@@ -14668,7 +14676,7 @@
             </a:ln>
             <a:extLst>
               <a:ext uri="{91240B29-F687-4f45-9708-019B960494DF}">
-                <a14:hiddenLine xmlns:a14="http://schemas.microsoft.com/office/drawing/2010/main" xmlns="" w="9525">
+                <a14:hiddenLine xmlns="" xmlns:a14="http://schemas.microsoft.com/office/drawing/2010/main" w="9525">
                   <a:solidFill>
                     <a:srgbClr val="000000"/>
                   </a:solidFill>
@@ -14733,7 +14741,7 @@
             </a:ln>
             <a:extLst>
               <a:ext uri="{91240B29-F687-4f45-9708-019B960494DF}">
-                <a14:hiddenLine xmlns:a14="http://schemas.microsoft.com/office/drawing/2010/main" xmlns="" w="9525">
+                <a14:hiddenLine xmlns="" xmlns:a14="http://schemas.microsoft.com/office/drawing/2010/main" w="9525">
                   <a:solidFill>
                     <a:srgbClr val="000000"/>
                   </a:solidFill>
@@ -14795,7 +14803,7 @@
             </a:ln>
             <a:extLst>
               <a:ext uri="{91240B29-F687-4f45-9708-019B960494DF}">
-                <a14:hiddenLine xmlns:a14="http://schemas.microsoft.com/office/drawing/2010/main" xmlns="" w="9525">
+                <a14:hiddenLine xmlns="" xmlns:a14="http://schemas.microsoft.com/office/drawing/2010/main" w="9525">
                   <a:solidFill>
                     <a:srgbClr val="000000"/>
                   </a:solidFill>
@@ -14885,7 +14893,7 @@
             </a:ln>
             <a:extLst>
               <a:ext uri="{91240B29-F687-4f45-9708-019B960494DF}">
-                <a14:hiddenLine xmlns:a14="http://schemas.microsoft.com/office/drawing/2010/main" xmlns="" w="9525">
+                <a14:hiddenLine xmlns="" xmlns:a14="http://schemas.microsoft.com/office/drawing/2010/main" w="9525">
                   <a:solidFill>
                     <a:srgbClr val="000000"/>
                   </a:solidFill>
@@ -14975,7 +14983,7 @@
             </a:ln>
             <a:extLst>
               <a:ext uri="{91240B29-F687-4f45-9708-019B960494DF}">
-                <a14:hiddenLine xmlns:a14="http://schemas.microsoft.com/office/drawing/2010/main" xmlns="" w="9525">
+                <a14:hiddenLine xmlns="" xmlns:a14="http://schemas.microsoft.com/office/drawing/2010/main" w="9525">
                   <a:solidFill>
                     <a:srgbClr val="000000"/>
                   </a:solidFill>
@@ -15037,7 +15045,7 @@
             </a:ln>
             <a:extLst>
               <a:ext uri="{91240B29-F687-4f45-9708-019B960494DF}">
-                <a14:hiddenLine xmlns:a14="http://schemas.microsoft.com/office/drawing/2010/main" xmlns="" w="9525">
+                <a14:hiddenLine xmlns="" xmlns:a14="http://schemas.microsoft.com/office/drawing/2010/main" w="9525">
                   <a:solidFill>
                     <a:srgbClr val="000000"/>
                   </a:solidFill>
@@ -15157,7 +15165,7 @@
             </a:ln>
             <a:extLst>
               <a:ext uri="{91240B29-F687-4f45-9708-019B960494DF}">
-                <a14:hiddenLine xmlns:a14="http://schemas.microsoft.com/office/drawing/2010/main" xmlns="" w="9525">
+                <a14:hiddenLine xmlns="" xmlns:a14="http://schemas.microsoft.com/office/drawing/2010/main" w="9525">
                   <a:solidFill>
                     <a:srgbClr val="000000"/>
                   </a:solidFill>
@@ -15225,7 +15233,7 @@
             </a:ln>
             <a:extLst>
               <a:ext uri="{91240B29-F687-4f45-9708-019B960494DF}">
-                <a14:hiddenLine xmlns:a14="http://schemas.microsoft.com/office/drawing/2010/main" xmlns="" w="9525">
+                <a14:hiddenLine xmlns="" xmlns:a14="http://schemas.microsoft.com/office/drawing/2010/main" w="9525">
                   <a:solidFill>
                     <a:srgbClr val="000000"/>
                   </a:solidFill>
@@ -15315,7 +15323,7 @@
             </a:ln>
             <a:extLst>
               <a:ext uri="{91240B29-F687-4f45-9708-019B960494DF}">
-                <a14:hiddenLine xmlns:a14="http://schemas.microsoft.com/office/drawing/2010/main" xmlns="" w="9525">
+                <a14:hiddenLine xmlns="" xmlns:a14="http://schemas.microsoft.com/office/drawing/2010/main" w="9525">
                   <a:solidFill>
                     <a:srgbClr val="000000"/>
                   </a:solidFill>
@@ -20129,7 +20137,7 @@
           <a:noFill/>
           <a:extLst>
             <a:ext uri="{909E8E84-426E-40dd-AFC4-6F175D3DCCD1}">
-              <a14:hiddenFill xmlns:a14="http://schemas.microsoft.com/office/drawing/2010/main" xmlns="">
+              <a14:hiddenFill xmlns="" xmlns:a14="http://schemas.microsoft.com/office/drawing/2010/main">
                 <a:solidFill>
                   <a:srgbClr val="FFFFFF"/>
                 </a:solidFill>
@@ -20203,7 +20211,7 @@
               </a:ln>
               <a:extLst>
                 <a:ext uri="{91240B29-F687-4f45-9708-019B960494DF}">
-                  <a14:hiddenLine xmlns:a14="http://schemas.microsoft.com/office/drawing/2010/main" xmlns="" w="9525">
+                  <a14:hiddenLine xmlns="" xmlns:a14="http://schemas.microsoft.com/office/drawing/2010/main" w="9525">
                     <a:solidFill>
                       <a:srgbClr val="000000"/>
                     </a:solidFill>
@@ -20293,7 +20301,7 @@
               </a:ln>
               <a:extLst>
                 <a:ext uri="{91240B29-F687-4f45-9708-019B960494DF}">
-                  <a14:hiddenLine xmlns:a14="http://schemas.microsoft.com/office/drawing/2010/main" xmlns="" w="9525">
+                  <a14:hiddenLine xmlns="" xmlns:a14="http://schemas.microsoft.com/office/drawing/2010/main" w="9525">
                     <a:solidFill>
                       <a:srgbClr val="000000"/>
                     </a:solidFill>
@@ -20383,7 +20391,7 @@
               </a:ln>
               <a:extLst>
                 <a:ext uri="{91240B29-F687-4f45-9708-019B960494DF}">
-                  <a14:hiddenLine xmlns:a14="http://schemas.microsoft.com/office/drawing/2010/main" xmlns="" w="9525">
+                  <a14:hiddenLine xmlns="" xmlns:a14="http://schemas.microsoft.com/office/drawing/2010/main" w="9525">
                     <a:solidFill>
                       <a:srgbClr val="000000"/>
                     </a:solidFill>
@@ -20445,7 +20453,7 @@
               </a:ln>
               <a:extLst>
                 <a:ext uri="{91240B29-F687-4f45-9708-019B960494DF}">
-                  <a14:hiddenLine xmlns:a14="http://schemas.microsoft.com/office/drawing/2010/main" xmlns="" w="9525">
+                  <a14:hiddenLine xmlns="" xmlns:a14="http://schemas.microsoft.com/office/drawing/2010/main" w="9525">
                     <a:solidFill>
                       <a:srgbClr val="000000"/>
                     </a:solidFill>
@@ -20535,7 +20543,7 @@
               </a:ln>
               <a:extLst>
                 <a:ext uri="{91240B29-F687-4f45-9708-019B960494DF}">
-                  <a14:hiddenLine xmlns:a14="http://schemas.microsoft.com/office/drawing/2010/main" xmlns="" w="9525">
+                  <a14:hiddenLine xmlns="" xmlns:a14="http://schemas.microsoft.com/office/drawing/2010/main" w="9525">
                     <a:solidFill>
                       <a:srgbClr val="000000"/>
                     </a:solidFill>
@@ -20597,7 +20605,7 @@
               </a:ln>
               <a:extLst>
                 <a:ext uri="{91240B29-F687-4f45-9708-019B960494DF}">
-                  <a14:hiddenLine xmlns:a14="http://schemas.microsoft.com/office/drawing/2010/main" xmlns="" w="9525">
+                  <a14:hiddenLine xmlns="" xmlns:a14="http://schemas.microsoft.com/office/drawing/2010/main" w="9525">
                     <a:solidFill>
                       <a:srgbClr val="000000"/>
                     </a:solidFill>
@@ -20659,7 +20667,7 @@
               </a:ln>
               <a:extLst>
                 <a:ext uri="{91240B29-F687-4f45-9708-019B960494DF}">
-                  <a14:hiddenLine xmlns:a14="http://schemas.microsoft.com/office/drawing/2010/main" xmlns="" w="9525">
+                  <a14:hiddenLine xmlns="" xmlns:a14="http://schemas.microsoft.com/office/drawing/2010/main" w="9525">
                     <a:solidFill>
                       <a:srgbClr val="000000"/>
                     </a:solidFill>
@@ -20749,7 +20757,7 @@
               </a:ln>
               <a:extLst>
                 <a:ext uri="{91240B29-F687-4f45-9708-019B960494DF}">
-                  <a14:hiddenLine xmlns:a14="http://schemas.microsoft.com/office/drawing/2010/main" xmlns="" w="9525">
+                  <a14:hiddenLine xmlns="" xmlns:a14="http://schemas.microsoft.com/office/drawing/2010/main" w="9525">
                     <a:solidFill>
                       <a:srgbClr val="000000"/>
                     </a:solidFill>
@@ -20839,7 +20847,7 @@
               </a:ln>
               <a:extLst>
                 <a:ext uri="{91240B29-F687-4f45-9708-019B960494DF}">
-                  <a14:hiddenLine xmlns:a14="http://schemas.microsoft.com/office/drawing/2010/main" xmlns="" w="9525">
+                  <a14:hiddenLine xmlns="" xmlns:a14="http://schemas.microsoft.com/office/drawing/2010/main" w="9525">
                     <a:solidFill>
                       <a:srgbClr val="000000"/>
                     </a:solidFill>
@@ -20901,7 +20909,7 @@
               </a:ln>
               <a:extLst>
                 <a:ext uri="{91240B29-F687-4f45-9708-019B960494DF}">
-                  <a14:hiddenLine xmlns:a14="http://schemas.microsoft.com/office/drawing/2010/main" xmlns="" w="9525">
+                  <a14:hiddenLine xmlns="" xmlns:a14="http://schemas.microsoft.com/office/drawing/2010/main" w="9525">
                     <a:solidFill>
                       <a:srgbClr val="000000"/>
                     </a:solidFill>
@@ -21011,7 +21019,7 @@
               </a:ln>
               <a:extLst>
                 <a:ext uri="{91240B29-F687-4f45-9708-019B960494DF}">
-                  <a14:hiddenLine xmlns:a14="http://schemas.microsoft.com/office/drawing/2010/main" xmlns="" w="9525">
+                  <a14:hiddenLine xmlns="" xmlns:a14="http://schemas.microsoft.com/office/drawing/2010/main" w="9525">
                     <a:solidFill>
                       <a:srgbClr val="000000"/>
                     </a:solidFill>
@@ -21095,7 +21103,7 @@
               </a:ln>
               <a:extLst>
                 <a:ext uri="{91240B29-F687-4f45-9708-019B960494DF}">
-                  <a14:hiddenLine xmlns:a14="http://schemas.microsoft.com/office/drawing/2010/main" xmlns="" w="9525">
+                  <a14:hiddenLine xmlns="" xmlns:a14="http://schemas.microsoft.com/office/drawing/2010/main" w="9525">
                     <a:solidFill>
                       <a:srgbClr val="000000"/>
                     </a:solidFill>
@@ -21157,7 +21165,7 @@
               </a:ln>
               <a:extLst>
                 <a:ext uri="{91240B29-F687-4f45-9708-019B960494DF}">
-                  <a14:hiddenLine xmlns:a14="http://schemas.microsoft.com/office/drawing/2010/main" xmlns="" w="9525">
+                  <a14:hiddenLine xmlns="" xmlns:a14="http://schemas.microsoft.com/office/drawing/2010/main" w="9525">
                     <a:solidFill>
                       <a:srgbClr val="000000"/>
                     </a:solidFill>
@@ -21219,7 +21227,7 @@
               </a:ln>
               <a:extLst>
                 <a:ext uri="{91240B29-F687-4f45-9708-019B960494DF}">
-                  <a14:hiddenLine xmlns:a14="http://schemas.microsoft.com/office/drawing/2010/main" xmlns="" w="9525">
+                  <a14:hiddenLine xmlns="" xmlns:a14="http://schemas.microsoft.com/office/drawing/2010/main" w="9525">
                     <a:solidFill>
                       <a:srgbClr val="000000"/>
                     </a:solidFill>
@@ -21309,7 +21317,7 @@
               </a:ln>
               <a:extLst>
                 <a:ext uri="{91240B29-F687-4f45-9708-019B960494DF}">
-                  <a14:hiddenLine xmlns:a14="http://schemas.microsoft.com/office/drawing/2010/main" xmlns="" w="9525">
+                  <a14:hiddenLine xmlns="" xmlns:a14="http://schemas.microsoft.com/office/drawing/2010/main" w="9525">
                     <a:solidFill>
                       <a:srgbClr val="000000"/>
                     </a:solidFill>
@@ -21343,7 +21351,7 @@
               </a:ln>
               <a:extLst>
                 <a:ext uri="{91240B29-F687-4f45-9708-019B960494DF}">
-                  <a14:hiddenLine xmlns:a14="http://schemas.microsoft.com/office/drawing/2010/main" xmlns="" w="9525">
+                  <a14:hiddenLine xmlns="" xmlns:a14="http://schemas.microsoft.com/office/drawing/2010/main" w="9525">
                     <a:solidFill>
                       <a:srgbClr val="000000"/>
                     </a:solidFill>
@@ -21408,7 +21416,7 @@
               </a:ln>
               <a:extLst>
                 <a:ext uri="{91240B29-F687-4f45-9708-019B960494DF}">
-                  <a14:hiddenLine xmlns:a14="http://schemas.microsoft.com/office/drawing/2010/main" xmlns="" w="9525">
+                  <a14:hiddenLine xmlns="" xmlns:a14="http://schemas.microsoft.com/office/drawing/2010/main" w="9525">
                     <a:solidFill>
                       <a:srgbClr val="000000"/>
                     </a:solidFill>
@@ -21498,7 +21506,7 @@
               </a:ln>
               <a:extLst>
                 <a:ext uri="{91240B29-F687-4f45-9708-019B960494DF}">
-                  <a14:hiddenLine xmlns:a14="http://schemas.microsoft.com/office/drawing/2010/main" xmlns="" w="9525">
+                  <a14:hiddenLine xmlns="" xmlns:a14="http://schemas.microsoft.com/office/drawing/2010/main" w="9525">
                     <a:solidFill>
                       <a:srgbClr val="000000"/>
                     </a:solidFill>
@@ -21560,7 +21568,7 @@
               </a:ln>
               <a:extLst>
                 <a:ext uri="{91240B29-F687-4f45-9708-019B960494DF}">
-                  <a14:hiddenLine xmlns:a14="http://schemas.microsoft.com/office/drawing/2010/main" xmlns="" w="9525">
+                  <a14:hiddenLine xmlns="" xmlns:a14="http://schemas.microsoft.com/office/drawing/2010/main" w="9525">
                     <a:solidFill>
                       <a:srgbClr val="000000"/>
                     </a:solidFill>
@@ -21650,7 +21658,7 @@
               </a:ln>
               <a:extLst>
                 <a:ext uri="{91240B29-F687-4f45-9708-019B960494DF}">
-                  <a14:hiddenLine xmlns:a14="http://schemas.microsoft.com/office/drawing/2010/main" xmlns="" w="9525">
+                  <a14:hiddenLine xmlns="" xmlns:a14="http://schemas.microsoft.com/office/drawing/2010/main" w="9525">
                     <a:solidFill>
                       <a:srgbClr val="000000"/>
                     </a:solidFill>
@@ -21715,7 +21723,7 @@
               </a:ln>
               <a:extLst>
                 <a:ext uri="{91240B29-F687-4f45-9708-019B960494DF}">
-                  <a14:hiddenLine xmlns:a14="http://schemas.microsoft.com/office/drawing/2010/main" xmlns="" w="9525">
+                  <a14:hiddenLine xmlns="" xmlns:a14="http://schemas.microsoft.com/office/drawing/2010/main" w="9525">
                     <a:solidFill>
                       <a:srgbClr val="000000"/>
                     </a:solidFill>
@@ -21777,7 +21785,7 @@
               </a:ln>
               <a:extLst>
                 <a:ext uri="{91240B29-F687-4f45-9708-019B960494DF}">
-                  <a14:hiddenLine xmlns:a14="http://schemas.microsoft.com/office/drawing/2010/main" xmlns="" w="9525">
+                  <a14:hiddenLine xmlns="" xmlns:a14="http://schemas.microsoft.com/office/drawing/2010/main" w="9525">
                     <a:solidFill>
                       <a:srgbClr val="000000"/>
                     </a:solidFill>
@@ -21867,7 +21875,7 @@
               </a:ln>
               <a:extLst>
                 <a:ext uri="{91240B29-F687-4f45-9708-019B960494DF}">
-                  <a14:hiddenLine xmlns:a14="http://schemas.microsoft.com/office/drawing/2010/main" xmlns="" w="9525">
+                  <a14:hiddenLine xmlns="" xmlns:a14="http://schemas.microsoft.com/office/drawing/2010/main" w="9525">
                     <a:solidFill>
                       <a:srgbClr val="000000"/>
                     </a:solidFill>
@@ -21957,7 +21965,7 @@
               </a:ln>
               <a:extLst>
                 <a:ext uri="{91240B29-F687-4f45-9708-019B960494DF}">
-                  <a14:hiddenLine xmlns:a14="http://schemas.microsoft.com/office/drawing/2010/main" xmlns="" w="9525">
+                  <a14:hiddenLine xmlns="" xmlns:a14="http://schemas.microsoft.com/office/drawing/2010/main" w="9525">
                     <a:solidFill>
                       <a:srgbClr val="000000"/>
                     </a:solidFill>
@@ -22022,7 +22030,7 @@
               </a:ln>
               <a:extLst>
                 <a:ext uri="{91240B29-F687-4f45-9708-019B960494DF}">
-                  <a14:hiddenLine xmlns:a14="http://schemas.microsoft.com/office/drawing/2010/main" xmlns="" w="9525">
+                  <a14:hiddenLine xmlns="" xmlns:a14="http://schemas.microsoft.com/office/drawing/2010/main" w="9525">
                     <a:solidFill>
                       <a:srgbClr val="000000"/>
                     </a:solidFill>
@@ -22142,7 +22150,7 @@
               </a:ln>
               <a:extLst>
                 <a:ext uri="{91240B29-F687-4f45-9708-019B960494DF}">
-                  <a14:hiddenLine xmlns:a14="http://schemas.microsoft.com/office/drawing/2010/main" xmlns="" w="9525">
+                  <a14:hiddenLine xmlns="" xmlns:a14="http://schemas.microsoft.com/office/drawing/2010/main" w="9525">
                     <a:solidFill>
                       <a:srgbClr val="000000"/>
                     </a:solidFill>
@@ -22223,7 +22231,7 @@
               </a:ln>
               <a:extLst>
                 <a:ext uri="{91240B29-F687-4f45-9708-019B960494DF}">
-                  <a14:hiddenLine xmlns:a14="http://schemas.microsoft.com/office/drawing/2010/main" xmlns="" w="9525">
+                  <a14:hiddenLine xmlns="" xmlns:a14="http://schemas.microsoft.com/office/drawing/2010/main" w="9525">
                     <a:solidFill>
                       <a:srgbClr val="000000"/>
                     </a:solidFill>
@@ -22338,7 +22346,7 @@
               </a:ln>
               <a:extLst>
                 <a:ext uri="{91240B29-F687-4f45-9708-019B960494DF}">
-                  <a14:hiddenLine xmlns:a14="http://schemas.microsoft.com/office/drawing/2010/main" xmlns="" w="9525">
+                  <a14:hiddenLine xmlns="" xmlns:a14="http://schemas.microsoft.com/office/drawing/2010/main" w="9525">
                     <a:solidFill>
                       <a:srgbClr val="000000"/>
                     </a:solidFill>
@@ -22428,7 +22436,7 @@
               </a:ln>
               <a:extLst>
                 <a:ext uri="{91240B29-F687-4f45-9708-019B960494DF}">
-                  <a14:hiddenLine xmlns:a14="http://schemas.microsoft.com/office/drawing/2010/main" xmlns="" w="9525">
+                  <a14:hiddenLine xmlns="" xmlns:a14="http://schemas.microsoft.com/office/drawing/2010/main" w="9525">
                     <a:solidFill>
                       <a:srgbClr val="000000"/>
                     </a:solidFill>
@@ -22493,7 +22501,7 @@
               </a:ln>
               <a:extLst>
                 <a:ext uri="{91240B29-F687-4f45-9708-019B960494DF}">
-                  <a14:hiddenLine xmlns:a14="http://schemas.microsoft.com/office/drawing/2010/main" xmlns="" w="9525">
+                  <a14:hiddenLine xmlns="" xmlns:a14="http://schemas.microsoft.com/office/drawing/2010/main" w="9525">
                     <a:solidFill>
                       <a:srgbClr val="000000"/>
                     </a:solidFill>
@@ -22583,7 +22591,7 @@
               </a:ln>
               <a:extLst>
                 <a:ext uri="{91240B29-F687-4f45-9708-019B960494DF}">
-                  <a14:hiddenLine xmlns:a14="http://schemas.microsoft.com/office/drawing/2010/main" xmlns="" w="9525">
+                  <a14:hiddenLine xmlns="" xmlns:a14="http://schemas.microsoft.com/office/drawing/2010/main" w="9525">
                     <a:solidFill>
                       <a:srgbClr val="000000"/>
                     </a:solidFill>
@@ -22651,7 +22659,7 @@
               </a:ln>
               <a:extLst>
                 <a:ext uri="{91240B29-F687-4f45-9708-019B960494DF}">
-                  <a14:hiddenLine xmlns:a14="http://schemas.microsoft.com/office/drawing/2010/main" xmlns="" w="9525">
+                  <a14:hiddenLine xmlns="" xmlns:a14="http://schemas.microsoft.com/office/drawing/2010/main" w="9525">
                     <a:solidFill>
                       <a:srgbClr val="000000"/>
                     </a:solidFill>
@@ -22741,7 +22749,7 @@
               </a:ln>
               <a:extLst>
                 <a:ext uri="{91240B29-F687-4f45-9708-019B960494DF}">
-                  <a14:hiddenLine xmlns:a14="http://schemas.microsoft.com/office/drawing/2010/main" xmlns="" w="9525">
+                  <a14:hiddenLine xmlns="" xmlns:a14="http://schemas.microsoft.com/office/drawing/2010/main" w="9525">
                     <a:solidFill>
                       <a:srgbClr val="000000"/>
                     </a:solidFill>
@@ -22809,7 +22817,7 @@
               </a:ln>
               <a:extLst>
                 <a:ext uri="{91240B29-F687-4f45-9708-019B960494DF}">
-                  <a14:hiddenLine xmlns:a14="http://schemas.microsoft.com/office/drawing/2010/main" xmlns="" w="9525">
+                  <a14:hiddenLine xmlns="" xmlns:a14="http://schemas.microsoft.com/office/drawing/2010/main" w="9525">
                     <a:solidFill>
                       <a:srgbClr val="000000"/>
                     </a:solidFill>
@@ -22899,7 +22907,7 @@
               </a:ln>
               <a:extLst>
                 <a:ext uri="{91240B29-F687-4f45-9708-019B960494DF}">
-                  <a14:hiddenLine xmlns:a14="http://schemas.microsoft.com/office/drawing/2010/main" xmlns="" w="9525">
+                  <a14:hiddenLine xmlns="" xmlns:a14="http://schemas.microsoft.com/office/drawing/2010/main" w="9525">
                     <a:solidFill>
                       <a:srgbClr val="000000"/>
                     </a:solidFill>
@@ -22933,7 +22941,7 @@
               </a:ln>
               <a:extLst>
                 <a:ext uri="{91240B29-F687-4f45-9708-019B960494DF}">
-                  <a14:hiddenLine xmlns:a14="http://schemas.microsoft.com/office/drawing/2010/main" xmlns="" w="9525">
+                  <a14:hiddenLine xmlns="" xmlns:a14="http://schemas.microsoft.com/office/drawing/2010/main" w="9525">
                     <a:solidFill>
                       <a:srgbClr val="000000"/>
                     </a:solidFill>
@@ -23842,13 +23850,13 @@
   <p:clrMapOvr>
     <a:masterClrMapping/>
   </p:clrMapOvr>
-  <mc:AlternateContent xmlns:mc="http://schemas.openxmlformats.org/markup-compatibility/2006">
-    <mc:Choice xmlns:p159="http://schemas.microsoft.com/office/powerpoint/2015/09/main" Requires="p159">
+  <mc:AlternateContent xmlns:mc="http://schemas.openxmlformats.org/markup-compatibility/2006" xmlns:p159="http://schemas.microsoft.com/office/powerpoint/2015/09/main">
+    <mc:Choice Requires="p159">
       <p:transition spd="slow">
         <p159:morph option="byObject"/>
       </p:transition>
     </mc:Choice>
-    <mc:Fallback>
+    <mc:Fallback xmlns="">
       <p:transition spd="slow">
         <p:fade/>
       </p:transition>
@@ -23959,7 +23967,7 @@
           <a:noFill/>
           <a:extLst>
             <a:ext uri="{909E8E84-426E-40dd-AFC4-6F175D3DCCD1}">
-              <a14:hiddenFill xmlns="" xmlns:a16="http://schemas.microsoft.com/office/drawing/2014/main" xmlns:p14="http://schemas.microsoft.com/office/powerpoint/2010/main" xmlns:a14="http://schemas.microsoft.com/office/drawing/2010/main">
+              <a14:hiddenFill xmlns:a14="http://schemas.microsoft.com/office/drawing/2010/main" xmlns:p14="http://schemas.microsoft.com/office/powerpoint/2010/main" xmlns:a16="http://schemas.microsoft.com/office/drawing/2014/main" xmlns="">
                 <a:solidFill>
                   <a:srgbClr val="FFFFFF"/>
                 </a:solidFill>
@@ -24080,7 +24088,7 @@
               </a:ln>
               <a:extLst>
                 <a:ext uri="{91240B29-F687-4f45-9708-019B960494DF}">
-                  <a14:hiddenLine xmlns="" xmlns:a16="http://schemas.microsoft.com/office/drawing/2014/main" xmlns:p14="http://schemas.microsoft.com/office/powerpoint/2010/main" xmlns:a14="http://schemas.microsoft.com/office/drawing/2010/main" w="9525">
+                  <a14:hiddenLine xmlns:a14="http://schemas.microsoft.com/office/drawing/2010/main" xmlns:p14="http://schemas.microsoft.com/office/powerpoint/2010/main" xmlns:a16="http://schemas.microsoft.com/office/drawing/2014/main" xmlns="" w="9525">
                     <a:solidFill>
                       <a:srgbClr val="000000"/>
                     </a:solidFill>
@@ -24192,7 +24200,7 @@
               </a:ln>
               <a:extLst>
                 <a:ext uri="{91240B29-F687-4f45-9708-019B960494DF}">
-                  <a14:hiddenLine xmlns="" xmlns:a16="http://schemas.microsoft.com/office/drawing/2014/main" xmlns:p14="http://schemas.microsoft.com/office/powerpoint/2010/main" xmlns:a14="http://schemas.microsoft.com/office/drawing/2010/main" w="9525">
+                  <a14:hiddenLine xmlns:a14="http://schemas.microsoft.com/office/drawing/2010/main" xmlns:p14="http://schemas.microsoft.com/office/powerpoint/2010/main" xmlns:a16="http://schemas.microsoft.com/office/drawing/2014/main" xmlns="" w="9525">
                     <a:solidFill>
                       <a:srgbClr val="000000"/>
                     </a:solidFill>
@@ -24304,7 +24312,7 @@
               </a:ln>
               <a:extLst>
                 <a:ext uri="{91240B29-F687-4f45-9708-019B960494DF}">
-                  <a14:hiddenLine xmlns="" xmlns:a16="http://schemas.microsoft.com/office/drawing/2014/main" xmlns:p14="http://schemas.microsoft.com/office/powerpoint/2010/main" xmlns:a14="http://schemas.microsoft.com/office/drawing/2010/main" w="9525">
+                  <a14:hiddenLine xmlns:a14="http://schemas.microsoft.com/office/drawing/2010/main" xmlns:p14="http://schemas.microsoft.com/office/powerpoint/2010/main" xmlns:a16="http://schemas.microsoft.com/office/drawing/2014/main" xmlns="" w="9525">
                     <a:solidFill>
                       <a:srgbClr val="000000"/>
                     </a:solidFill>
@@ -24388,7 +24396,7 @@
               </a:ln>
               <a:extLst>
                 <a:ext uri="{91240B29-F687-4f45-9708-019B960494DF}">
-                  <a14:hiddenLine xmlns="" xmlns:a16="http://schemas.microsoft.com/office/drawing/2014/main" xmlns:p14="http://schemas.microsoft.com/office/powerpoint/2010/main" xmlns:a14="http://schemas.microsoft.com/office/drawing/2010/main" w="9525">
+                  <a14:hiddenLine xmlns:a14="http://schemas.microsoft.com/office/drawing/2010/main" xmlns:p14="http://schemas.microsoft.com/office/powerpoint/2010/main" xmlns:a16="http://schemas.microsoft.com/office/drawing/2014/main" xmlns="" w="9525">
                     <a:solidFill>
                       <a:srgbClr val="000000"/>
                     </a:solidFill>
@@ -24500,7 +24508,7 @@
               </a:ln>
               <a:extLst>
                 <a:ext uri="{91240B29-F687-4f45-9708-019B960494DF}">
-                  <a14:hiddenLine xmlns="" xmlns:a16="http://schemas.microsoft.com/office/drawing/2014/main" xmlns:p14="http://schemas.microsoft.com/office/powerpoint/2010/main" xmlns:a14="http://schemas.microsoft.com/office/drawing/2010/main" w="9525">
+                  <a14:hiddenLine xmlns:a14="http://schemas.microsoft.com/office/drawing/2010/main" xmlns:p14="http://schemas.microsoft.com/office/powerpoint/2010/main" xmlns:a16="http://schemas.microsoft.com/office/drawing/2014/main" xmlns="" w="9525">
                     <a:solidFill>
                       <a:srgbClr val="000000"/>
                     </a:solidFill>
@@ -24584,7 +24592,7 @@
               </a:ln>
               <a:extLst>
                 <a:ext uri="{91240B29-F687-4f45-9708-019B960494DF}">
-                  <a14:hiddenLine xmlns="" xmlns:a16="http://schemas.microsoft.com/office/drawing/2014/main" xmlns:p14="http://schemas.microsoft.com/office/powerpoint/2010/main" xmlns:a14="http://schemas.microsoft.com/office/drawing/2010/main" w="9525">
+                  <a14:hiddenLine xmlns:a14="http://schemas.microsoft.com/office/drawing/2010/main" xmlns:p14="http://schemas.microsoft.com/office/powerpoint/2010/main" xmlns:a16="http://schemas.microsoft.com/office/drawing/2014/main" xmlns="" w="9525">
                     <a:solidFill>
                       <a:srgbClr val="000000"/>
                     </a:solidFill>
@@ -24668,7 +24676,7 @@
               </a:ln>
               <a:extLst>
                 <a:ext uri="{91240B29-F687-4f45-9708-019B960494DF}">
-                  <a14:hiddenLine xmlns="" xmlns:a16="http://schemas.microsoft.com/office/drawing/2014/main" xmlns:p14="http://schemas.microsoft.com/office/powerpoint/2010/main" xmlns:a14="http://schemas.microsoft.com/office/drawing/2010/main" w="9525">
+                  <a14:hiddenLine xmlns:a14="http://schemas.microsoft.com/office/drawing/2010/main" xmlns:p14="http://schemas.microsoft.com/office/powerpoint/2010/main" xmlns:a16="http://schemas.microsoft.com/office/drawing/2014/main" xmlns="" w="9525">
                     <a:solidFill>
                       <a:srgbClr val="000000"/>
                     </a:solidFill>
@@ -24780,7 +24788,7 @@
               </a:ln>
               <a:extLst>
                 <a:ext uri="{91240B29-F687-4f45-9708-019B960494DF}">
-                  <a14:hiddenLine xmlns="" xmlns:a16="http://schemas.microsoft.com/office/drawing/2014/main" xmlns:p14="http://schemas.microsoft.com/office/powerpoint/2010/main" xmlns:a14="http://schemas.microsoft.com/office/drawing/2010/main" w="9525">
+                  <a14:hiddenLine xmlns:a14="http://schemas.microsoft.com/office/drawing/2010/main" xmlns:p14="http://schemas.microsoft.com/office/powerpoint/2010/main" xmlns:a16="http://schemas.microsoft.com/office/drawing/2014/main" xmlns="" w="9525">
                     <a:solidFill>
                       <a:srgbClr val="000000"/>
                     </a:solidFill>
@@ -24892,7 +24900,7 @@
               </a:ln>
               <a:extLst>
                 <a:ext uri="{91240B29-F687-4f45-9708-019B960494DF}">
-                  <a14:hiddenLine xmlns="" xmlns:a16="http://schemas.microsoft.com/office/drawing/2014/main" xmlns:p14="http://schemas.microsoft.com/office/powerpoint/2010/main" xmlns:a14="http://schemas.microsoft.com/office/drawing/2010/main" w="9525">
+                  <a14:hiddenLine xmlns:a14="http://schemas.microsoft.com/office/drawing/2010/main" xmlns:p14="http://schemas.microsoft.com/office/powerpoint/2010/main" xmlns:a16="http://schemas.microsoft.com/office/drawing/2014/main" xmlns="" w="9525">
                     <a:solidFill>
                       <a:srgbClr val="000000"/>
                     </a:solidFill>
@@ -24976,7 +24984,7 @@
               </a:ln>
               <a:extLst>
                 <a:ext uri="{91240B29-F687-4f45-9708-019B960494DF}">
-                  <a14:hiddenLine xmlns="" xmlns:a16="http://schemas.microsoft.com/office/drawing/2014/main" xmlns:p14="http://schemas.microsoft.com/office/powerpoint/2010/main" xmlns:a14="http://schemas.microsoft.com/office/drawing/2010/main" w="9525">
+                  <a14:hiddenLine xmlns:a14="http://schemas.microsoft.com/office/drawing/2010/main" xmlns:p14="http://schemas.microsoft.com/office/powerpoint/2010/main" xmlns:a16="http://schemas.microsoft.com/office/drawing/2014/main" xmlns="" w="9525">
                     <a:solidFill>
                       <a:srgbClr val="000000"/>
                     </a:solidFill>
@@ -25108,7 +25116,7 @@
               </a:ln>
               <a:extLst>
                 <a:ext uri="{91240B29-F687-4f45-9708-019B960494DF}">
-                  <a14:hiddenLine xmlns="" xmlns:a16="http://schemas.microsoft.com/office/drawing/2014/main" xmlns:p14="http://schemas.microsoft.com/office/powerpoint/2010/main" xmlns:a14="http://schemas.microsoft.com/office/drawing/2010/main" w="9525">
+                  <a14:hiddenLine xmlns:a14="http://schemas.microsoft.com/office/drawing/2010/main" xmlns:p14="http://schemas.microsoft.com/office/powerpoint/2010/main" xmlns:a16="http://schemas.microsoft.com/office/drawing/2014/main" xmlns="" w="9525">
                     <a:solidFill>
                       <a:srgbClr val="000000"/>
                     </a:solidFill>
@@ -25236,7 +25244,7 @@
               </a:ln>
               <a:extLst>
                 <a:ext uri="{91240B29-F687-4f45-9708-019B960494DF}">
-                  <a14:hiddenLine xmlns="" xmlns:a16="http://schemas.microsoft.com/office/drawing/2014/main" xmlns:p14="http://schemas.microsoft.com/office/powerpoint/2010/main" xmlns:a14="http://schemas.microsoft.com/office/drawing/2010/main" w="9525">
+                  <a14:hiddenLine xmlns:a14="http://schemas.microsoft.com/office/drawing/2010/main" xmlns:p14="http://schemas.microsoft.com/office/powerpoint/2010/main" xmlns:a16="http://schemas.microsoft.com/office/drawing/2014/main" xmlns="" w="9525">
                     <a:solidFill>
                       <a:srgbClr val="000000"/>
                     </a:solidFill>
@@ -25320,7 +25328,7 @@
               </a:ln>
               <a:extLst>
                 <a:ext uri="{91240B29-F687-4f45-9708-019B960494DF}">
-                  <a14:hiddenLine xmlns="" xmlns:a16="http://schemas.microsoft.com/office/drawing/2014/main" xmlns:p14="http://schemas.microsoft.com/office/powerpoint/2010/main" xmlns:a14="http://schemas.microsoft.com/office/drawing/2010/main" w="9525">
+                  <a14:hiddenLine xmlns:a14="http://schemas.microsoft.com/office/drawing/2010/main" xmlns:p14="http://schemas.microsoft.com/office/powerpoint/2010/main" xmlns:a16="http://schemas.microsoft.com/office/drawing/2014/main" xmlns="" w="9525">
                     <a:solidFill>
                       <a:srgbClr val="000000"/>
                     </a:solidFill>
@@ -25404,7 +25412,7 @@
               </a:ln>
               <a:extLst>
                 <a:ext uri="{91240B29-F687-4f45-9708-019B960494DF}">
-                  <a14:hiddenLine xmlns="" xmlns:a16="http://schemas.microsoft.com/office/drawing/2014/main" xmlns:p14="http://schemas.microsoft.com/office/powerpoint/2010/main" xmlns:a14="http://schemas.microsoft.com/office/drawing/2010/main" w="9525">
+                  <a14:hiddenLine xmlns:a14="http://schemas.microsoft.com/office/drawing/2010/main" xmlns:p14="http://schemas.microsoft.com/office/powerpoint/2010/main" xmlns:a16="http://schemas.microsoft.com/office/drawing/2014/main" xmlns="" w="9525">
                     <a:solidFill>
                       <a:srgbClr val="000000"/>
                     </a:solidFill>
@@ -25516,7 +25524,7 @@
               </a:ln>
               <a:extLst>
                 <a:ext uri="{91240B29-F687-4f45-9708-019B960494DF}">
-                  <a14:hiddenLine xmlns="" xmlns:a16="http://schemas.microsoft.com/office/drawing/2014/main" xmlns:p14="http://schemas.microsoft.com/office/powerpoint/2010/main" xmlns:a14="http://schemas.microsoft.com/office/drawing/2010/main" w="9525">
+                  <a14:hiddenLine xmlns:a14="http://schemas.microsoft.com/office/drawing/2010/main" xmlns:p14="http://schemas.microsoft.com/office/powerpoint/2010/main" xmlns:a16="http://schemas.microsoft.com/office/drawing/2014/main" xmlns="" w="9525">
                     <a:solidFill>
                       <a:srgbClr val="000000"/>
                     </a:solidFill>
@@ -25572,7 +25580,7 @@
               </a:ln>
               <a:extLst>
                 <a:ext uri="{91240B29-F687-4f45-9708-019B960494DF}">
-                  <a14:hiddenLine xmlns="" xmlns:a16="http://schemas.microsoft.com/office/drawing/2014/main" xmlns:p14="http://schemas.microsoft.com/office/powerpoint/2010/main" xmlns:a14="http://schemas.microsoft.com/office/drawing/2010/main" w="9525">
+                  <a14:hiddenLine xmlns:a14="http://schemas.microsoft.com/office/drawing/2010/main" xmlns:p14="http://schemas.microsoft.com/office/powerpoint/2010/main" xmlns:a16="http://schemas.microsoft.com/office/drawing/2014/main" xmlns="" w="9525">
                     <a:solidFill>
                       <a:srgbClr val="000000"/>
                     </a:solidFill>
@@ -25659,7 +25667,7 @@
               </a:ln>
               <a:extLst>
                 <a:ext uri="{91240B29-F687-4f45-9708-019B960494DF}">
-                  <a14:hiddenLine xmlns="" xmlns:a16="http://schemas.microsoft.com/office/drawing/2014/main" xmlns:p14="http://schemas.microsoft.com/office/powerpoint/2010/main" xmlns:a14="http://schemas.microsoft.com/office/drawing/2010/main" w="9525">
+                  <a14:hiddenLine xmlns:a14="http://schemas.microsoft.com/office/drawing/2010/main" xmlns:p14="http://schemas.microsoft.com/office/powerpoint/2010/main" xmlns:a16="http://schemas.microsoft.com/office/drawing/2014/main" xmlns="" w="9525">
                     <a:solidFill>
                       <a:srgbClr val="000000"/>
                     </a:solidFill>
@@ -25771,7 +25779,7 @@
               </a:ln>
               <a:extLst>
                 <a:ext uri="{91240B29-F687-4f45-9708-019B960494DF}">
-                  <a14:hiddenLine xmlns="" xmlns:a16="http://schemas.microsoft.com/office/drawing/2014/main" xmlns:p14="http://schemas.microsoft.com/office/powerpoint/2010/main" xmlns:a14="http://schemas.microsoft.com/office/drawing/2010/main" w="9525">
+                  <a14:hiddenLine xmlns:a14="http://schemas.microsoft.com/office/drawing/2010/main" xmlns:p14="http://schemas.microsoft.com/office/powerpoint/2010/main" xmlns:a16="http://schemas.microsoft.com/office/drawing/2014/main" xmlns="" w="9525">
                     <a:solidFill>
                       <a:srgbClr val="000000"/>
                     </a:solidFill>
@@ -25855,7 +25863,7 @@
               </a:ln>
               <a:extLst>
                 <a:ext uri="{91240B29-F687-4f45-9708-019B960494DF}">
-                  <a14:hiddenLine xmlns="" xmlns:a16="http://schemas.microsoft.com/office/drawing/2014/main" xmlns:p14="http://schemas.microsoft.com/office/powerpoint/2010/main" xmlns:a14="http://schemas.microsoft.com/office/drawing/2010/main" w="9525">
+                  <a14:hiddenLine xmlns:a14="http://schemas.microsoft.com/office/drawing/2010/main" xmlns:p14="http://schemas.microsoft.com/office/powerpoint/2010/main" xmlns:a16="http://schemas.microsoft.com/office/drawing/2014/main" xmlns="" w="9525">
                     <a:solidFill>
                       <a:srgbClr val="000000"/>
                     </a:solidFill>
@@ -25967,7 +25975,7 @@
               </a:ln>
               <a:extLst>
                 <a:ext uri="{91240B29-F687-4f45-9708-019B960494DF}">
-                  <a14:hiddenLine xmlns="" xmlns:a16="http://schemas.microsoft.com/office/drawing/2014/main" xmlns:p14="http://schemas.microsoft.com/office/powerpoint/2010/main" xmlns:a14="http://schemas.microsoft.com/office/drawing/2010/main" w="9525">
+                  <a14:hiddenLine xmlns:a14="http://schemas.microsoft.com/office/drawing/2010/main" xmlns:p14="http://schemas.microsoft.com/office/powerpoint/2010/main" xmlns:a16="http://schemas.microsoft.com/office/drawing/2014/main" xmlns="" w="9525">
                     <a:solidFill>
                       <a:srgbClr val="000000"/>
                     </a:solidFill>
@@ -26054,7 +26062,7 @@
               </a:ln>
               <a:extLst>
                 <a:ext uri="{91240B29-F687-4f45-9708-019B960494DF}">
-                  <a14:hiddenLine xmlns="" xmlns:a16="http://schemas.microsoft.com/office/drawing/2014/main" xmlns:p14="http://schemas.microsoft.com/office/powerpoint/2010/main" xmlns:a14="http://schemas.microsoft.com/office/drawing/2010/main" w="9525">
+                  <a14:hiddenLine xmlns:a14="http://schemas.microsoft.com/office/drawing/2010/main" xmlns:p14="http://schemas.microsoft.com/office/powerpoint/2010/main" xmlns:a16="http://schemas.microsoft.com/office/drawing/2014/main" xmlns="" w="9525">
                     <a:solidFill>
                       <a:srgbClr val="000000"/>
                     </a:solidFill>
@@ -26138,7 +26146,7 @@
               </a:ln>
               <a:extLst>
                 <a:ext uri="{91240B29-F687-4f45-9708-019B960494DF}">
-                  <a14:hiddenLine xmlns="" xmlns:a16="http://schemas.microsoft.com/office/drawing/2014/main" xmlns:p14="http://schemas.microsoft.com/office/powerpoint/2010/main" xmlns:a14="http://schemas.microsoft.com/office/drawing/2010/main" w="9525">
+                  <a14:hiddenLine xmlns:a14="http://schemas.microsoft.com/office/drawing/2010/main" xmlns:p14="http://schemas.microsoft.com/office/powerpoint/2010/main" xmlns:a16="http://schemas.microsoft.com/office/drawing/2014/main" xmlns="" w="9525">
                     <a:solidFill>
                       <a:srgbClr val="000000"/>
                     </a:solidFill>
@@ -26250,7 +26258,7 @@
               </a:ln>
               <a:extLst>
                 <a:ext uri="{91240B29-F687-4f45-9708-019B960494DF}">
-                  <a14:hiddenLine xmlns="" xmlns:a16="http://schemas.microsoft.com/office/drawing/2014/main" xmlns:p14="http://schemas.microsoft.com/office/powerpoint/2010/main" xmlns:a14="http://schemas.microsoft.com/office/drawing/2010/main" w="9525">
+                  <a14:hiddenLine xmlns:a14="http://schemas.microsoft.com/office/drawing/2010/main" xmlns:p14="http://schemas.microsoft.com/office/powerpoint/2010/main" xmlns:a16="http://schemas.microsoft.com/office/drawing/2014/main" xmlns="" w="9525">
                     <a:solidFill>
                       <a:srgbClr val="000000"/>
                     </a:solidFill>
@@ -26362,7 +26370,7 @@
               </a:ln>
               <a:extLst>
                 <a:ext uri="{91240B29-F687-4f45-9708-019B960494DF}">
-                  <a14:hiddenLine xmlns="" xmlns:a16="http://schemas.microsoft.com/office/drawing/2014/main" xmlns:p14="http://schemas.microsoft.com/office/powerpoint/2010/main" xmlns:a14="http://schemas.microsoft.com/office/drawing/2010/main" w="9525">
+                  <a14:hiddenLine xmlns:a14="http://schemas.microsoft.com/office/drawing/2010/main" xmlns:p14="http://schemas.microsoft.com/office/powerpoint/2010/main" xmlns:a16="http://schemas.microsoft.com/office/drawing/2014/main" xmlns="" w="9525">
                     <a:solidFill>
                       <a:srgbClr val="000000"/>
                     </a:solidFill>
@@ -26449,7 +26457,7 @@
               </a:ln>
               <a:extLst>
                 <a:ext uri="{91240B29-F687-4f45-9708-019B960494DF}">
-                  <a14:hiddenLine xmlns="" xmlns:a16="http://schemas.microsoft.com/office/drawing/2014/main" xmlns:p14="http://schemas.microsoft.com/office/powerpoint/2010/main" xmlns:a14="http://schemas.microsoft.com/office/drawing/2010/main" w="9525">
+                  <a14:hiddenLine xmlns:a14="http://schemas.microsoft.com/office/drawing/2010/main" xmlns:p14="http://schemas.microsoft.com/office/powerpoint/2010/main" xmlns:a16="http://schemas.microsoft.com/office/drawing/2014/main" xmlns="" w="9525">
                     <a:solidFill>
                       <a:srgbClr val="000000"/>
                     </a:solidFill>
@@ -26591,7 +26599,7 @@
               </a:ln>
               <a:extLst>
                 <a:ext uri="{91240B29-F687-4f45-9708-019B960494DF}">
-                  <a14:hiddenLine xmlns="" xmlns:a16="http://schemas.microsoft.com/office/drawing/2014/main" xmlns:p14="http://schemas.microsoft.com/office/powerpoint/2010/main" xmlns:a14="http://schemas.microsoft.com/office/drawing/2010/main" w="9525">
+                  <a14:hiddenLine xmlns:a14="http://schemas.microsoft.com/office/drawing/2010/main" xmlns:p14="http://schemas.microsoft.com/office/powerpoint/2010/main" xmlns:a16="http://schemas.microsoft.com/office/drawing/2014/main" xmlns="" w="9525">
                     <a:solidFill>
                       <a:srgbClr val="000000"/>
                     </a:solidFill>
@@ -26709,7 +26717,7 @@
               </a:ln>
               <a:extLst>
                 <a:ext uri="{91240B29-F687-4f45-9708-019B960494DF}">
-                  <a14:hiddenLine xmlns="" xmlns:a16="http://schemas.microsoft.com/office/drawing/2014/main" xmlns:p14="http://schemas.microsoft.com/office/powerpoint/2010/main" xmlns:a14="http://schemas.microsoft.com/office/drawing/2010/main" w="9525">
+                  <a14:hiddenLine xmlns:a14="http://schemas.microsoft.com/office/drawing/2010/main" xmlns:p14="http://schemas.microsoft.com/office/powerpoint/2010/main" xmlns:a16="http://schemas.microsoft.com/office/drawing/2014/main" xmlns="" w="9525">
                     <a:solidFill>
                       <a:srgbClr val="000000"/>
                     </a:solidFill>
@@ -26846,7 +26854,7 @@
               </a:ln>
               <a:extLst>
                 <a:ext uri="{91240B29-F687-4f45-9708-019B960494DF}">
-                  <a14:hiddenLine xmlns="" xmlns:a16="http://schemas.microsoft.com/office/drawing/2014/main" xmlns:p14="http://schemas.microsoft.com/office/powerpoint/2010/main" xmlns:a14="http://schemas.microsoft.com/office/drawing/2010/main" w="9525">
+                  <a14:hiddenLine xmlns:a14="http://schemas.microsoft.com/office/drawing/2010/main" xmlns:p14="http://schemas.microsoft.com/office/powerpoint/2010/main" xmlns:a16="http://schemas.microsoft.com/office/drawing/2014/main" xmlns="" w="9525">
                     <a:solidFill>
                       <a:srgbClr val="000000"/>
                     </a:solidFill>
@@ -26958,7 +26966,7 @@
               </a:ln>
               <a:extLst>
                 <a:ext uri="{91240B29-F687-4f45-9708-019B960494DF}">
-                  <a14:hiddenLine xmlns="" xmlns:a16="http://schemas.microsoft.com/office/drawing/2014/main" xmlns:p14="http://schemas.microsoft.com/office/powerpoint/2010/main" xmlns:a14="http://schemas.microsoft.com/office/drawing/2010/main" w="9525">
+                  <a14:hiddenLine xmlns:a14="http://schemas.microsoft.com/office/drawing/2010/main" xmlns:p14="http://schemas.microsoft.com/office/powerpoint/2010/main" xmlns:a16="http://schemas.microsoft.com/office/drawing/2014/main" xmlns="" w="9525">
                     <a:solidFill>
                       <a:srgbClr val="000000"/>
                     </a:solidFill>
@@ -27045,7 +27053,7 @@
               </a:ln>
               <a:extLst>
                 <a:ext uri="{91240B29-F687-4f45-9708-019B960494DF}">
-                  <a14:hiddenLine xmlns="" xmlns:a16="http://schemas.microsoft.com/office/drawing/2014/main" xmlns:p14="http://schemas.microsoft.com/office/powerpoint/2010/main" xmlns:a14="http://schemas.microsoft.com/office/drawing/2010/main" w="9525">
+                  <a14:hiddenLine xmlns:a14="http://schemas.microsoft.com/office/drawing/2010/main" xmlns:p14="http://schemas.microsoft.com/office/powerpoint/2010/main" xmlns:a16="http://schemas.microsoft.com/office/drawing/2014/main" xmlns="" w="9525">
                     <a:solidFill>
                       <a:srgbClr val="000000"/>
                     </a:solidFill>
@@ -27157,7 +27165,7 @@
               </a:ln>
               <a:extLst>
                 <a:ext uri="{91240B29-F687-4f45-9708-019B960494DF}">
-                  <a14:hiddenLine xmlns="" xmlns:a16="http://schemas.microsoft.com/office/drawing/2014/main" xmlns:p14="http://schemas.microsoft.com/office/powerpoint/2010/main" xmlns:a14="http://schemas.microsoft.com/office/drawing/2010/main" w="9525">
+                  <a14:hiddenLine xmlns:a14="http://schemas.microsoft.com/office/drawing/2010/main" xmlns:p14="http://schemas.microsoft.com/office/powerpoint/2010/main" xmlns:a16="http://schemas.microsoft.com/office/drawing/2014/main" xmlns="" w="9525">
                     <a:solidFill>
                       <a:srgbClr val="000000"/>
                     </a:solidFill>
@@ -27247,7 +27255,7 @@
               </a:ln>
               <a:extLst>
                 <a:ext uri="{91240B29-F687-4f45-9708-019B960494DF}">
-                  <a14:hiddenLine xmlns="" xmlns:a16="http://schemas.microsoft.com/office/drawing/2014/main" xmlns:p14="http://schemas.microsoft.com/office/powerpoint/2010/main" xmlns:a14="http://schemas.microsoft.com/office/drawing/2010/main" w="9525">
+                  <a14:hiddenLine xmlns:a14="http://schemas.microsoft.com/office/drawing/2010/main" xmlns:p14="http://schemas.microsoft.com/office/powerpoint/2010/main" xmlns:a16="http://schemas.microsoft.com/office/drawing/2014/main" xmlns="" w="9525">
                     <a:solidFill>
                       <a:srgbClr val="000000"/>
                     </a:solidFill>
@@ -27359,7 +27367,7 @@
               </a:ln>
               <a:extLst>
                 <a:ext uri="{91240B29-F687-4f45-9708-019B960494DF}">
-                  <a14:hiddenLine xmlns="" xmlns:a16="http://schemas.microsoft.com/office/drawing/2014/main" xmlns:p14="http://schemas.microsoft.com/office/powerpoint/2010/main" xmlns:a14="http://schemas.microsoft.com/office/drawing/2010/main" w="9525">
+                  <a14:hiddenLine xmlns:a14="http://schemas.microsoft.com/office/drawing/2010/main" xmlns:p14="http://schemas.microsoft.com/office/powerpoint/2010/main" xmlns:a16="http://schemas.microsoft.com/office/drawing/2014/main" xmlns="" w="9525">
                     <a:solidFill>
                       <a:srgbClr val="000000"/>
                     </a:solidFill>
@@ -27449,7 +27457,7 @@
               </a:ln>
               <a:extLst>
                 <a:ext uri="{91240B29-F687-4f45-9708-019B960494DF}">
-                  <a14:hiddenLine xmlns="" xmlns:a16="http://schemas.microsoft.com/office/drawing/2014/main" xmlns:p14="http://schemas.microsoft.com/office/powerpoint/2010/main" xmlns:a14="http://schemas.microsoft.com/office/drawing/2010/main" w="9525">
+                  <a14:hiddenLine xmlns:a14="http://schemas.microsoft.com/office/drawing/2010/main" xmlns:p14="http://schemas.microsoft.com/office/powerpoint/2010/main" xmlns:a16="http://schemas.microsoft.com/office/drawing/2014/main" xmlns="" w="9525">
                     <a:solidFill>
                       <a:srgbClr val="000000"/>
                     </a:solidFill>
@@ -27561,7 +27569,7 @@
               </a:ln>
               <a:extLst>
                 <a:ext uri="{91240B29-F687-4f45-9708-019B960494DF}">
-                  <a14:hiddenLine xmlns="" xmlns:a16="http://schemas.microsoft.com/office/drawing/2014/main" xmlns:p14="http://schemas.microsoft.com/office/powerpoint/2010/main" xmlns:a14="http://schemas.microsoft.com/office/drawing/2010/main" w="9525">
+                  <a14:hiddenLine xmlns:a14="http://schemas.microsoft.com/office/drawing/2010/main" xmlns:p14="http://schemas.microsoft.com/office/powerpoint/2010/main" xmlns:a16="http://schemas.microsoft.com/office/drawing/2014/main" xmlns="" w="9525">
                     <a:solidFill>
                       <a:srgbClr val="000000"/>
                     </a:solidFill>
@@ -27617,7 +27625,7 @@
               </a:ln>
               <a:extLst>
                 <a:ext uri="{91240B29-F687-4f45-9708-019B960494DF}">
-                  <a14:hiddenLine xmlns="" xmlns:a16="http://schemas.microsoft.com/office/drawing/2014/main" xmlns:p14="http://schemas.microsoft.com/office/powerpoint/2010/main" xmlns:a14="http://schemas.microsoft.com/office/drawing/2010/main" w="9525">
+                  <a14:hiddenLine xmlns:a14="http://schemas.microsoft.com/office/drawing/2010/main" xmlns:p14="http://schemas.microsoft.com/office/powerpoint/2010/main" xmlns:a16="http://schemas.microsoft.com/office/drawing/2014/main" xmlns="" w="9525">
                     <a:solidFill>
                       <a:srgbClr val="000000"/>
                     </a:solidFill>
@@ -27915,13 +27923,13 @@
   <p:clrMapOvr>
     <a:masterClrMapping/>
   </p:clrMapOvr>
-  <mc:AlternateContent xmlns:mc="http://schemas.openxmlformats.org/markup-compatibility/2006">
-    <mc:Choice xmlns:p159="http://schemas.microsoft.com/office/powerpoint/2015/09/main" Requires="p159">
+  <mc:AlternateContent xmlns:mc="http://schemas.openxmlformats.org/markup-compatibility/2006" xmlns:p159="http://schemas.microsoft.com/office/powerpoint/2015/09/main">
+    <mc:Choice Requires="p159">
       <p:transition spd="slow">
         <p159:morph option="byObject"/>
       </p:transition>
     </mc:Choice>
-    <mc:Fallback>
+    <mc:Fallback xmlns="">
       <p:transition spd="slow">
         <p:fade/>
       </p:transition>
@@ -28415,13 +28423,13 @@
   <p:clrMapOvr>
     <a:masterClrMapping/>
   </p:clrMapOvr>
-  <mc:AlternateContent xmlns:mc="http://schemas.openxmlformats.org/markup-compatibility/2006">
-    <mc:Choice xmlns:p159="http://schemas.microsoft.com/office/powerpoint/2015/09/main" Requires="p159">
+  <mc:AlternateContent xmlns:mc="http://schemas.openxmlformats.org/markup-compatibility/2006" xmlns:p159="http://schemas.microsoft.com/office/powerpoint/2015/09/main">
+    <mc:Choice Requires="p159">
       <p:transition spd="slow">
         <p159:morph option="byObject"/>
       </p:transition>
     </mc:Choice>
-    <mc:Fallback>
+    <mc:Fallback xmlns="">
       <p:transition spd="slow">
         <p:fade/>
       </p:transition>
@@ -28532,7 +28540,7 @@
           <a:noFill/>
           <a:extLst>
             <a:ext uri="{909E8E84-426E-40dd-AFC4-6F175D3DCCD1}">
-              <a14:hiddenFill xmlns="" xmlns:a16="http://schemas.microsoft.com/office/drawing/2014/main" xmlns:p14="http://schemas.microsoft.com/office/powerpoint/2010/main" xmlns:a14="http://schemas.microsoft.com/office/drawing/2010/main">
+              <a14:hiddenFill xmlns:a14="http://schemas.microsoft.com/office/drawing/2010/main" xmlns:p14="http://schemas.microsoft.com/office/powerpoint/2010/main" xmlns:a16="http://schemas.microsoft.com/office/drawing/2014/main" xmlns="">
                 <a:solidFill>
                   <a:srgbClr val="FFFFFF"/>
                 </a:solidFill>
@@ -28653,7 +28661,7 @@
               </a:ln>
               <a:extLst>
                 <a:ext uri="{91240B29-F687-4f45-9708-019B960494DF}">
-                  <a14:hiddenLine xmlns="" xmlns:a16="http://schemas.microsoft.com/office/drawing/2014/main" xmlns:p14="http://schemas.microsoft.com/office/powerpoint/2010/main" xmlns:a14="http://schemas.microsoft.com/office/drawing/2010/main" w="9525">
+                  <a14:hiddenLine xmlns:a14="http://schemas.microsoft.com/office/drawing/2010/main" xmlns:p14="http://schemas.microsoft.com/office/powerpoint/2010/main" xmlns:a16="http://schemas.microsoft.com/office/drawing/2014/main" xmlns="" w="9525">
                     <a:solidFill>
                       <a:srgbClr val="000000"/>
                     </a:solidFill>
@@ -28765,7 +28773,7 @@
               </a:ln>
               <a:extLst>
                 <a:ext uri="{91240B29-F687-4f45-9708-019B960494DF}">
-                  <a14:hiddenLine xmlns="" xmlns:a16="http://schemas.microsoft.com/office/drawing/2014/main" xmlns:p14="http://schemas.microsoft.com/office/powerpoint/2010/main" xmlns:a14="http://schemas.microsoft.com/office/drawing/2010/main" w="9525">
+                  <a14:hiddenLine xmlns:a14="http://schemas.microsoft.com/office/drawing/2010/main" xmlns:p14="http://schemas.microsoft.com/office/powerpoint/2010/main" xmlns:a16="http://schemas.microsoft.com/office/drawing/2014/main" xmlns="" w="9525">
                     <a:solidFill>
                       <a:srgbClr val="000000"/>
                     </a:solidFill>
@@ -28877,7 +28885,7 @@
               </a:ln>
               <a:extLst>
                 <a:ext uri="{91240B29-F687-4f45-9708-019B960494DF}">
-                  <a14:hiddenLine xmlns="" xmlns:a16="http://schemas.microsoft.com/office/drawing/2014/main" xmlns:p14="http://schemas.microsoft.com/office/powerpoint/2010/main" xmlns:a14="http://schemas.microsoft.com/office/drawing/2010/main" w="9525">
+                  <a14:hiddenLine xmlns:a14="http://schemas.microsoft.com/office/drawing/2010/main" xmlns:p14="http://schemas.microsoft.com/office/powerpoint/2010/main" xmlns:a16="http://schemas.microsoft.com/office/drawing/2014/main" xmlns="" w="9525">
                     <a:solidFill>
                       <a:srgbClr val="000000"/>
                     </a:solidFill>
@@ -28961,7 +28969,7 @@
               </a:ln>
               <a:extLst>
                 <a:ext uri="{91240B29-F687-4f45-9708-019B960494DF}">
-                  <a14:hiddenLine xmlns="" xmlns:a16="http://schemas.microsoft.com/office/drawing/2014/main" xmlns:p14="http://schemas.microsoft.com/office/powerpoint/2010/main" xmlns:a14="http://schemas.microsoft.com/office/drawing/2010/main" w="9525">
+                  <a14:hiddenLine xmlns:a14="http://schemas.microsoft.com/office/drawing/2010/main" xmlns:p14="http://schemas.microsoft.com/office/powerpoint/2010/main" xmlns:a16="http://schemas.microsoft.com/office/drawing/2014/main" xmlns="" w="9525">
                     <a:solidFill>
                       <a:srgbClr val="000000"/>
                     </a:solidFill>
@@ -29073,7 +29081,7 @@
               </a:ln>
               <a:extLst>
                 <a:ext uri="{91240B29-F687-4f45-9708-019B960494DF}">
-                  <a14:hiddenLine xmlns="" xmlns:a16="http://schemas.microsoft.com/office/drawing/2014/main" xmlns:p14="http://schemas.microsoft.com/office/powerpoint/2010/main" xmlns:a14="http://schemas.microsoft.com/office/drawing/2010/main" w="9525">
+                  <a14:hiddenLine xmlns:a14="http://schemas.microsoft.com/office/drawing/2010/main" xmlns:p14="http://schemas.microsoft.com/office/powerpoint/2010/main" xmlns:a16="http://schemas.microsoft.com/office/drawing/2014/main" xmlns="" w="9525">
                     <a:solidFill>
                       <a:srgbClr val="000000"/>
                     </a:solidFill>
@@ -29157,7 +29165,7 @@
               </a:ln>
               <a:extLst>
                 <a:ext uri="{91240B29-F687-4f45-9708-019B960494DF}">
-                  <a14:hiddenLine xmlns="" xmlns:a16="http://schemas.microsoft.com/office/drawing/2014/main" xmlns:p14="http://schemas.microsoft.com/office/powerpoint/2010/main" xmlns:a14="http://schemas.microsoft.com/office/drawing/2010/main" w="9525">
+                  <a14:hiddenLine xmlns:a14="http://schemas.microsoft.com/office/drawing/2010/main" xmlns:p14="http://schemas.microsoft.com/office/powerpoint/2010/main" xmlns:a16="http://schemas.microsoft.com/office/drawing/2014/main" xmlns="" w="9525">
                     <a:solidFill>
                       <a:srgbClr val="000000"/>
                     </a:solidFill>
@@ -29241,7 +29249,7 @@
               </a:ln>
               <a:extLst>
                 <a:ext uri="{91240B29-F687-4f45-9708-019B960494DF}">
-                  <a14:hiddenLine xmlns="" xmlns:a16="http://schemas.microsoft.com/office/drawing/2014/main" xmlns:p14="http://schemas.microsoft.com/office/powerpoint/2010/main" xmlns:a14="http://schemas.microsoft.com/office/drawing/2010/main" w="9525">
+                  <a14:hiddenLine xmlns:a14="http://schemas.microsoft.com/office/drawing/2010/main" xmlns:p14="http://schemas.microsoft.com/office/powerpoint/2010/main" xmlns:a16="http://schemas.microsoft.com/office/drawing/2014/main" xmlns="" w="9525">
                     <a:solidFill>
                       <a:srgbClr val="000000"/>
                     </a:solidFill>
@@ -29353,7 +29361,7 @@
               </a:ln>
               <a:extLst>
                 <a:ext uri="{91240B29-F687-4f45-9708-019B960494DF}">
-                  <a14:hiddenLine xmlns="" xmlns:a16="http://schemas.microsoft.com/office/drawing/2014/main" xmlns:p14="http://schemas.microsoft.com/office/powerpoint/2010/main" xmlns:a14="http://schemas.microsoft.com/office/drawing/2010/main" w="9525">
+                  <a14:hiddenLine xmlns:a14="http://schemas.microsoft.com/office/drawing/2010/main" xmlns:p14="http://schemas.microsoft.com/office/powerpoint/2010/main" xmlns:a16="http://schemas.microsoft.com/office/drawing/2014/main" xmlns="" w="9525">
                     <a:solidFill>
                       <a:srgbClr val="000000"/>
                     </a:solidFill>
@@ -29465,7 +29473,7 @@
               </a:ln>
               <a:extLst>
                 <a:ext uri="{91240B29-F687-4f45-9708-019B960494DF}">
-                  <a14:hiddenLine xmlns="" xmlns:a16="http://schemas.microsoft.com/office/drawing/2014/main" xmlns:p14="http://schemas.microsoft.com/office/powerpoint/2010/main" xmlns:a14="http://schemas.microsoft.com/office/drawing/2010/main" w="9525">
+                  <a14:hiddenLine xmlns:a14="http://schemas.microsoft.com/office/drawing/2010/main" xmlns:p14="http://schemas.microsoft.com/office/powerpoint/2010/main" xmlns:a16="http://schemas.microsoft.com/office/drawing/2014/main" xmlns="" w="9525">
                     <a:solidFill>
                       <a:srgbClr val="000000"/>
                     </a:solidFill>
@@ -29549,7 +29557,7 @@
               </a:ln>
               <a:extLst>
                 <a:ext uri="{91240B29-F687-4f45-9708-019B960494DF}">
-                  <a14:hiddenLine xmlns="" xmlns:a16="http://schemas.microsoft.com/office/drawing/2014/main" xmlns:p14="http://schemas.microsoft.com/office/powerpoint/2010/main" xmlns:a14="http://schemas.microsoft.com/office/drawing/2010/main" w="9525">
+                  <a14:hiddenLine xmlns:a14="http://schemas.microsoft.com/office/drawing/2010/main" xmlns:p14="http://schemas.microsoft.com/office/powerpoint/2010/main" xmlns:a16="http://schemas.microsoft.com/office/drawing/2014/main" xmlns="" w="9525">
                     <a:solidFill>
                       <a:srgbClr val="000000"/>
                     </a:solidFill>
@@ -29681,7 +29689,7 @@
               </a:ln>
               <a:extLst>
                 <a:ext uri="{91240B29-F687-4f45-9708-019B960494DF}">
-                  <a14:hiddenLine xmlns="" xmlns:a16="http://schemas.microsoft.com/office/drawing/2014/main" xmlns:p14="http://schemas.microsoft.com/office/powerpoint/2010/main" xmlns:a14="http://schemas.microsoft.com/office/drawing/2010/main" w="9525">
+                  <a14:hiddenLine xmlns:a14="http://schemas.microsoft.com/office/drawing/2010/main" xmlns:p14="http://schemas.microsoft.com/office/powerpoint/2010/main" xmlns:a16="http://schemas.microsoft.com/office/drawing/2014/main" xmlns="" w="9525">
                     <a:solidFill>
                       <a:srgbClr val="000000"/>
                     </a:solidFill>
@@ -29809,7 +29817,7 @@
               </a:ln>
               <a:extLst>
                 <a:ext uri="{91240B29-F687-4f45-9708-019B960494DF}">
-                  <a14:hiddenLine xmlns="" xmlns:a16="http://schemas.microsoft.com/office/drawing/2014/main" xmlns:p14="http://schemas.microsoft.com/office/powerpoint/2010/main" xmlns:a14="http://schemas.microsoft.com/office/drawing/2010/main" w="9525">
+                  <a14:hiddenLine xmlns:a14="http://schemas.microsoft.com/office/drawing/2010/main" xmlns:p14="http://schemas.microsoft.com/office/powerpoint/2010/main" xmlns:a16="http://schemas.microsoft.com/office/drawing/2014/main" xmlns="" w="9525">
                     <a:solidFill>
                       <a:srgbClr val="000000"/>
                     </a:solidFill>
@@ -29893,7 +29901,7 @@
               </a:ln>
               <a:extLst>
                 <a:ext uri="{91240B29-F687-4f45-9708-019B960494DF}">
-                  <a14:hiddenLine xmlns="" xmlns:a16="http://schemas.microsoft.com/office/drawing/2014/main" xmlns:p14="http://schemas.microsoft.com/office/powerpoint/2010/main" xmlns:a14="http://schemas.microsoft.com/office/drawing/2010/main" w="9525">
+                  <a14:hiddenLine xmlns:a14="http://schemas.microsoft.com/office/drawing/2010/main" xmlns:p14="http://schemas.microsoft.com/office/powerpoint/2010/main" xmlns:a16="http://schemas.microsoft.com/office/drawing/2014/main" xmlns="" w="9525">
                     <a:solidFill>
                       <a:srgbClr val="000000"/>
                     </a:solidFill>
@@ -29977,7 +29985,7 @@
               </a:ln>
               <a:extLst>
                 <a:ext uri="{91240B29-F687-4f45-9708-019B960494DF}">
-                  <a14:hiddenLine xmlns="" xmlns:a16="http://schemas.microsoft.com/office/drawing/2014/main" xmlns:p14="http://schemas.microsoft.com/office/powerpoint/2010/main" xmlns:a14="http://schemas.microsoft.com/office/drawing/2010/main" w="9525">
+                  <a14:hiddenLine xmlns:a14="http://schemas.microsoft.com/office/drawing/2010/main" xmlns:p14="http://schemas.microsoft.com/office/powerpoint/2010/main" xmlns:a16="http://schemas.microsoft.com/office/drawing/2014/main" xmlns="" w="9525">
                     <a:solidFill>
                       <a:srgbClr val="000000"/>
                     </a:solidFill>
@@ -30089,7 +30097,7 @@
               </a:ln>
               <a:extLst>
                 <a:ext uri="{91240B29-F687-4f45-9708-019B960494DF}">
-                  <a14:hiddenLine xmlns="" xmlns:a16="http://schemas.microsoft.com/office/drawing/2014/main" xmlns:p14="http://schemas.microsoft.com/office/powerpoint/2010/main" xmlns:a14="http://schemas.microsoft.com/office/drawing/2010/main" w="9525">
+                  <a14:hiddenLine xmlns:a14="http://schemas.microsoft.com/office/drawing/2010/main" xmlns:p14="http://schemas.microsoft.com/office/powerpoint/2010/main" xmlns:a16="http://schemas.microsoft.com/office/drawing/2014/main" xmlns="" w="9525">
                     <a:solidFill>
                       <a:srgbClr val="000000"/>
                     </a:solidFill>
@@ -30145,7 +30153,7 @@
               </a:ln>
               <a:extLst>
                 <a:ext uri="{91240B29-F687-4f45-9708-019B960494DF}">
-                  <a14:hiddenLine xmlns="" xmlns:a16="http://schemas.microsoft.com/office/drawing/2014/main" xmlns:p14="http://schemas.microsoft.com/office/powerpoint/2010/main" xmlns:a14="http://schemas.microsoft.com/office/drawing/2010/main" w="9525">
+                  <a14:hiddenLine xmlns:a14="http://schemas.microsoft.com/office/drawing/2010/main" xmlns:p14="http://schemas.microsoft.com/office/powerpoint/2010/main" xmlns:a16="http://schemas.microsoft.com/office/drawing/2014/main" xmlns="" w="9525">
                     <a:solidFill>
                       <a:srgbClr val="000000"/>
                     </a:solidFill>
@@ -30232,7 +30240,7 @@
               </a:ln>
               <a:extLst>
                 <a:ext uri="{91240B29-F687-4f45-9708-019B960494DF}">
-                  <a14:hiddenLine xmlns="" xmlns:a16="http://schemas.microsoft.com/office/drawing/2014/main" xmlns:p14="http://schemas.microsoft.com/office/powerpoint/2010/main" xmlns:a14="http://schemas.microsoft.com/office/drawing/2010/main" w="9525">
+                  <a14:hiddenLine xmlns:a14="http://schemas.microsoft.com/office/drawing/2010/main" xmlns:p14="http://schemas.microsoft.com/office/powerpoint/2010/main" xmlns:a16="http://schemas.microsoft.com/office/drawing/2014/main" xmlns="" w="9525">
                     <a:solidFill>
                       <a:srgbClr val="000000"/>
                     </a:solidFill>
@@ -30344,7 +30352,7 @@
               </a:ln>
               <a:extLst>
                 <a:ext uri="{91240B29-F687-4f45-9708-019B960494DF}">
-                  <a14:hiddenLine xmlns="" xmlns:a16="http://schemas.microsoft.com/office/drawing/2014/main" xmlns:p14="http://schemas.microsoft.com/office/powerpoint/2010/main" xmlns:a14="http://schemas.microsoft.com/office/drawing/2010/main" w="9525">
+                  <a14:hiddenLine xmlns:a14="http://schemas.microsoft.com/office/drawing/2010/main" xmlns:p14="http://schemas.microsoft.com/office/powerpoint/2010/main" xmlns:a16="http://schemas.microsoft.com/office/drawing/2014/main" xmlns="" w="9525">
                     <a:solidFill>
                       <a:srgbClr val="000000"/>
                     </a:solidFill>
@@ -30428,7 +30436,7 @@
               </a:ln>
               <a:extLst>
                 <a:ext uri="{91240B29-F687-4f45-9708-019B960494DF}">
-                  <a14:hiddenLine xmlns="" xmlns:a16="http://schemas.microsoft.com/office/drawing/2014/main" xmlns:p14="http://schemas.microsoft.com/office/powerpoint/2010/main" xmlns:a14="http://schemas.microsoft.com/office/drawing/2010/main" w="9525">
+                  <a14:hiddenLine xmlns:a14="http://schemas.microsoft.com/office/drawing/2010/main" xmlns:p14="http://schemas.microsoft.com/office/powerpoint/2010/main" xmlns:a16="http://schemas.microsoft.com/office/drawing/2014/main" xmlns="" w="9525">
                     <a:solidFill>
                       <a:srgbClr val="000000"/>
                     </a:solidFill>
@@ -30540,7 +30548,7 @@
               </a:ln>
               <a:extLst>
                 <a:ext uri="{91240B29-F687-4f45-9708-019B960494DF}">
-                  <a14:hiddenLine xmlns="" xmlns:a16="http://schemas.microsoft.com/office/drawing/2014/main" xmlns:p14="http://schemas.microsoft.com/office/powerpoint/2010/main" xmlns:a14="http://schemas.microsoft.com/office/drawing/2010/main" w="9525">
+                  <a14:hiddenLine xmlns:a14="http://schemas.microsoft.com/office/drawing/2010/main" xmlns:p14="http://schemas.microsoft.com/office/powerpoint/2010/main" xmlns:a16="http://schemas.microsoft.com/office/drawing/2014/main" xmlns="" w="9525">
                     <a:solidFill>
                       <a:srgbClr val="000000"/>
                     </a:solidFill>
@@ -30627,7 +30635,7 @@
               </a:ln>
               <a:extLst>
                 <a:ext uri="{91240B29-F687-4f45-9708-019B960494DF}">
-                  <a14:hiddenLine xmlns="" xmlns:a16="http://schemas.microsoft.com/office/drawing/2014/main" xmlns:p14="http://schemas.microsoft.com/office/powerpoint/2010/main" xmlns:a14="http://schemas.microsoft.com/office/drawing/2010/main" w="9525">
+                  <a14:hiddenLine xmlns:a14="http://schemas.microsoft.com/office/drawing/2010/main" xmlns:p14="http://schemas.microsoft.com/office/powerpoint/2010/main" xmlns:a16="http://schemas.microsoft.com/office/drawing/2014/main" xmlns="" w="9525">
                     <a:solidFill>
                       <a:srgbClr val="000000"/>
                     </a:solidFill>
@@ -30711,7 +30719,7 @@
               </a:ln>
               <a:extLst>
                 <a:ext uri="{91240B29-F687-4f45-9708-019B960494DF}">
-                  <a14:hiddenLine xmlns="" xmlns:a16="http://schemas.microsoft.com/office/drawing/2014/main" xmlns:p14="http://schemas.microsoft.com/office/powerpoint/2010/main" xmlns:a14="http://schemas.microsoft.com/office/drawing/2010/main" w="9525">
+                  <a14:hiddenLine xmlns:a14="http://schemas.microsoft.com/office/drawing/2010/main" xmlns:p14="http://schemas.microsoft.com/office/powerpoint/2010/main" xmlns:a16="http://schemas.microsoft.com/office/drawing/2014/main" xmlns="" w="9525">
                     <a:solidFill>
                       <a:srgbClr val="000000"/>
                     </a:solidFill>
@@ -30823,7 +30831,7 @@
               </a:ln>
               <a:extLst>
                 <a:ext uri="{91240B29-F687-4f45-9708-019B960494DF}">
-                  <a14:hiddenLine xmlns="" xmlns:a16="http://schemas.microsoft.com/office/drawing/2014/main" xmlns:p14="http://schemas.microsoft.com/office/powerpoint/2010/main" xmlns:a14="http://schemas.microsoft.com/office/drawing/2010/main" w="9525">
+                  <a14:hiddenLine xmlns:a14="http://schemas.microsoft.com/office/drawing/2010/main" xmlns:p14="http://schemas.microsoft.com/office/powerpoint/2010/main" xmlns:a16="http://schemas.microsoft.com/office/drawing/2014/main" xmlns="" w="9525">
                     <a:solidFill>
                       <a:srgbClr val="000000"/>
                     </a:solidFill>
@@ -30935,7 +30943,7 @@
               </a:ln>
               <a:extLst>
                 <a:ext uri="{91240B29-F687-4f45-9708-019B960494DF}">
-                  <a14:hiddenLine xmlns="" xmlns:a16="http://schemas.microsoft.com/office/drawing/2014/main" xmlns:p14="http://schemas.microsoft.com/office/powerpoint/2010/main" xmlns:a14="http://schemas.microsoft.com/office/drawing/2010/main" w="9525">
+                  <a14:hiddenLine xmlns:a14="http://schemas.microsoft.com/office/drawing/2010/main" xmlns:p14="http://schemas.microsoft.com/office/powerpoint/2010/main" xmlns:a16="http://schemas.microsoft.com/office/drawing/2014/main" xmlns="" w="9525">
                     <a:solidFill>
                       <a:srgbClr val="000000"/>
                     </a:solidFill>
@@ -31022,7 +31030,7 @@
               </a:ln>
               <a:extLst>
                 <a:ext uri="{91240B29-F687-4f45-9708-019B960494DF}">
-                  <a14:hiddenLine xmlns="" xmlns:a16="http://schemas.microsoft.com/office/drawing/2014/main" xmlns:p14="http://schemas.microsoft.com/office/powerpoint/2010/main" xmlns:a14="http://schemas.microsoft.com/office/drawing/2010/main" w="9525">
+                  <a14:hiddenLine xmlns:a14="http://schemas.microsoft.com/office/drawing/2010/main" xmlns:p14="http://schemas.microsoft.com/office/powerpoint/2010/main" xmlns:a16="http://schemas.microsoft.com/office/drawing/2014/main" xmlns="" w="9525">
                     <a:solidFill>
                       <a:srgbClr val="000000"/>
                     </a:solidFill>
@@ -31164,7 +31172,7 @@
               </a:ln>
               <a:extLst>
                 <a:ext uri="{91240B29-F687-4f45-9708-019B960494DF}">
-                  <a14:hiddenLine xmlns="" xmlns:a16="http://schemas.microsoft.com/office/drawing/2014/main" xmlns:p14="http://schemas.microsoft.com/office/powerpoint/2010/main" xmlns:a14="http://schemas.microsoft.com/office/drawing/2010/main" w="9525">
+                  <a14:hiddenLine xmlns:a14="http://schemas.microsoft.com/office/drawing/2010/main" xmlns:p14="http://schemas.microsoft.com/office/powerpoint/2010/main" xmlns:a16="http://schemas.microsoft.com/office/drawing/2014/main" xmlns="" w="9525">
                     <a:solidFill>
                       <a:srgbClr val="000000"/>
                     </a:solidFill>
@@ -31282,7 +31290,7 @@
               </a:ln>
               <a:extLst>
                 <a:ext uri="{91240B29-F687-4f45-9708-019B960494DF}">
-                  <a14:hiddenLine xmlns="" xmlns:a16="http://schemas.microsoft.com/office/drawing/2014/main" xmlns:p14="http://schemas.microsoft.com/office/powerpoint/2010/main" xmlns:a14="http://schemas.microsoft.com/office/drawing/2010/main" w="9525">
+                  <a14:hiddenLine xmlns:a14="http://schemas.microsoft.com/office/drawing/2010/main" xmlns:p14="http://schemas.microsoft.com/office/powerpoint/2010/main" xmlns:a16="http://schemas.microsoft.com/office/drawing/2014/main" xmlns="" w="9525">
                     <a:solidFill>
                       <a:srgbClr val="000000"/>
                     </a:solidFill>
@@ -31419,7 +31427,7 @@
               </a:ln>
               <a:extLst>
                 <a:ext uri="{91240B29-F687-4f45-9708-019B960494DF}">
-                  <a14:hiddenLine xmlns="" xmlns:a16="http://schemas.microsoft.com/office/drawing/2014/main" xmlns:p14="http://schemas.microsoft.com/office/powerpoint/2010/main" xmlns:a14="http://schemas.microsoft.com/office/drawing/2010/main" w="9525">
+                  <a14:hiddenLine xmlns:a14="http://schemas.microsoft.com/office/drawing/2010/main" xmlns:p14="http://schemas.microsoft.com/office/powerpoint/2010/main" xmlns:a16="http://schemas.microsoft.com/office/drawing/2014/main" xmlns="" w="9525">
                     <a:solidFill>
                       <a:srgbClr val="000000"/>
                     </a:solidFill>
@@ -31531,7 +31539,7 @@
               </a:ln>
               <a:extLst>
                 <a:ext uri="{91240B29-F687-4f45-9708-019B960494DF}">
-                  <a14:hiddenLine xmlns="" xmlns:a16="http://schemas.microsoft.com/office/drawing/2014/main" xmlns:p14="http://schemas.microsoft.com/office/powerpoint/2010/main" xmlns:a14="http://schemas.microsoft.com/office/drawing/2010/main" w="9525">
+                  <a14:hiddenLine xmlns:a14="http://schemas.microsoft.com/office/drawing/2010/main" xmlns:p14="http://schemas.microsoft.com/office/powerpoint/2010/main" xmlns:a16="http://schemas.microsoft.com/office/drawing/2014/main" xmlns="" w="9525">
                     <a:solidFill>
                       <a:srgbClr val="000000"/>
                     </a:solidFill>
@@ -31618,7 +31626,7 @@
               </a:ln>
               <a:extLst>
                 <a:ext uri="{91240B29-F687-4f45-9708-019B960494DF}">
-                  <a14:hiddenLine xmlns="" xmlns:a16="http://schemas.microsoft.com/office/drawing/2014/main" xmlns:p14="http://schemas.microsoft.com/office/powerpoint/2010/main" xmlns:a14="http://schemas.microsoft.com/office/drawing/2010/main" w="9525">
+                  <a14:hiddenLine xmlns:a14="http://schemas.microsoft.com/office/drawing/2010/main" xmlns:p14="http://schemas.microsoft.com/office/powerpoint/2010/main" xmlns:a16="http://schemas.microsoft.com/office/drawing/2014/main" xmlns="" w="9525">
                     <a:solidFill>
                       <a:srgbClr val="000000"/>
                     </a:solidFill>
@@ -31730,7 +31738,7 @@
               </a:ln>
               <a:extLst>
                 <a:ext uri="{91240B29-F687-4f45-9708-019B960494DF}">
-                  <a14:hiddenLine xmlns="" xmlns:a16="http://schemas.microsoft.com/office/drawing/2014/main" xmlns:p14="http://schemas.microsoft.com/office/powerpoint/2010/main" xmlns:a14="http://schemas.microsoft.com/office/drawing/2010/main" w="9525">
+                  <a14:hiddenLine xmlns:a14="http://schemas.microsoft.com/office/drawing/2010/main" xmlns:p14="http://schemas.microsoft.com/office/powerpoint/2010/main" xmlns:a16="http://schemas.microsoft.com/office/drawing/2014/main" xmlns="" w="9525">
                     <a:solidFill>
                       <a:srgbClr val="000000"/>
                     </a:solidFill>
@@ -31820,7 +31828,7 @@
               </a:ln>
               <a:extLst>
                 <a:ext uri="{91240B29-F687-4f45-9708-019B960494DF}">
-                  <a14:hiddenLine xmlns="" xmlns:a16="http://schemas.microsoft.com/office/drawing/2014/main" xmlns:p14="http://schemas.microsoft.com/office/powerpoint/2010/main" xmlns:a14="http://schemas.microsoft.com/office/drawing/2010/main" w="9525">
+                  <a14:hiddenLine xmlns:a14="http://schemas.microsoft.com/office/drawing/2010/main" xmlns:p14="http://schemas.microsoft.com/office/powerpoint/2010/main" xmlns:a16="http://schemas.microsoft.com/office/drawing/2014/main" xmlns="" w="9525">
                     <a:solidFill>
                       <a:srgbClr val="000000"/>
                     </a:solidFill>
@@ -31932,7 +31940,7 @@
               </a:ln>
               <a:extLst>
                 <a:ext uri="{91240B29-F687-4f45-9708-019B960494DF}">
-                  <a14:hiddenLine xmlns="" xmlns:a16="http://schemas.microsoft.com/office/drawing/2014/main" xmlns:p14="http://schemas.microsoft.com/office/powerpoint/2010/main" xmlns:a14="http://schemas.microsoft.com/office/drawing/2010/main" w="9525">
+                  <a14:hiddenLine xmlns:a14="http://schemas.microsoft.com/office/drawing/2010/main" xmlns:p14="http://schemas.microsoft.com/office/powerpoint/2010/main" xmlns:a16="http://schemas.microsoft.com/office/drawing/2014/main" xmlns="" w="9525">
                     <a:solidFill>
                       <a:srgbClr val="000000"/>
                     </a:solidFill>
@@ -32022,7 +32030,7 @@
               </a:ln>
               <a:extLst>
                 <a:ext uri="{91240B29-F687-4f45-9708-019B960494DF}">
-                  <a14:hiddenLine xmlns="" xmlns:a16="http://schemas.microsoft.com/office/drawing/2014/main" xmlns:p14="http://schemas.microsoft.com/office/powerpoint/2010/main" xmlns:a14="http://schemas.microsoft.com/office/drawing/2010/main" w="9525">
+                  <a14:hiddenLine xmlns:a14="http://schemas.microsoft.com/office/drawing/2010/main" xmlns:p14="http://schemas.microsoft.com/office/powerpoint/2010/main" xmlns:a16="http://schemas.microsoft.com/office/drawing/2014/main" xmlns="" w="9525">
                     <a:solidFill>
                       <a:srgbClr val="000000"/>
                     </a:solidFill>
@@ -32134,7 +32142,7 @@
               </a:ln>
               <a:extLst>
                 <a:ext uri="{91240B29-F687-4f45-9708-019B960494DF}">
-                  <a14:hiddenLine xmlns="" xmlns:a16="http://schemas.microsoft.com/office/drawing/2014/main" xmlns:p14="http://schemas.microsoft.com/office/powerpoint/2010/main" xmlns:a14="http://schemas.microsoft.com/office/drawing/2010/main" w="9525">
+                  <a14:hiddenLine xmlns:a14="http://schemas.microsoft.com/office/drawing/2010/main" xmlns:p14="http://schemas.microsoft.com/office/powerpoint/2010/main" xmlns:a16="http://schemas.microsoft.com/office/drawing/2014/main" xmlns="" w="9525">
                     <a:solidFill>
                       <a:srgbClr val="000000"/>
                     </a:solidFill>
@@ -32190,7 +32198,7 @@
               </a:ln>
               <a:extLst>
                 <a:ext uri="{91240B29-F687-4f45-9708-019B960494DF}">
-                  <a14:hiddenLine xmlns="" xmlns:a16="http://schemas.microsoft.com/office/drawing/2014/main" xmlns:p14="http://schemas.microsoft.com/office/powerpoint/2010/main" xmlns:a14="http://schemas.microsoft.com/office/drawing/2010/main" w="9525">
+                  <a14:hiddenLine xmlns:a14="http://schemas.microsoft.com/office/drawing/2010/main" xmlns:p14="http://schemas.microsoft.com/office/powerpoint/2010/main" xmlns:a16="http://schemas.microsoft.com/office/drawing/2014/main" xmlns="" w="9525">
                     <a:solidFill>
                       <a:srgbClr val="000000"/>
                     </a:solidFill>
@@ -32259,7 +32267,7 @@
           <a:noFill/>
           <a:extLst>
             <a:ext uri="{909E8E84-426E-40dd-AFC4-6F175D3DCCD1}">
-              <a14:hiddenFill xmlns="" xmlns:a16="http://schemas.microsoft.com/office/drawing/2014/main" xmlns:p14="http://schemas.microsoft.com/office/powerpoint/2010/main" xmlns:a14="http://schemas.microsoft.com/office/drawing/2010/main">
+              <a14:hiddenFill xmlns:a14="http://schemas.microsoft.com/office/drawing/2010/main" xmlns:p14="http://schemas.microsoft.com/office/powerpoint/2010/main" xmlns:a16="http://schemas.microsoft.com/office/drawing/2014/main" xmlns="">
                 <a:solidFill>
                   <a:srgbClr val="FFFFFF"/>
                 </a:solidFill>
@@ -32380,7 +32388,7 @@
               </a:ln>
               <a:extLst>
                 <a:ext uri="{91240B29-F687-4f45-9708-019B960494DF}">
-                  <a14:hiddenLine xmlns="" xmlns:a16="http://schemas.microsoft.com/office/drawing/2014/main" xmlns:p14="http://schemas.microsoft.com/office/powerpoint/2010/main" xmlns:a14="http://schemas.microsoft.com/office/drawing/2010/main" w="9525">
+                  <a14:hiddenLine xmlns:a14="http://schemas.microsoft.com/office/drawing/2010/main" xmlns:p14="http://schemas.microsoft.com/office/powerpoint/2010/main" xmlns:a16="http://schemas.microsoft.com/office/drawing/2014/main" xmlns="" w="9525">
                     <a:solidFill>
                       <a:srgbClr val="000000"/>
                     </a:solidFill>
@@ -32492,7 +32500,7 @@
               </a:ln>
               <a:extLst>
                 <a:ext uri="{91240B29-F687-4f45-9708-019B960494DF}">
-                  <a14:hiddenLine xmlns="" xmlns:a16="http://schemas.microsoft.com/office/drawing/2014/main" xmlns:p14="http://schemas.microsoft.com/office/powerpoint/2010/main" xmlns:a14="http://schemas.microsoft.com/office/drawing/2010/main" w="9525">
+                  <a14:hiddenLine xmlns:a14="http://schemas.microsoft.com/office/drawing/2010/main" xmlns:p14="http://schemas.microsoft.com/office/powerpoint/2010/main" xmlns:a16="http://schemas.microsoft.com/office/drawing/2014/main" xmlns="" w="9525">
                     <a:solidFill>
                       <a:srgbClr val="000000"/>
                     </a:solidFill>
@@ -32604,7 +32612,7 @@
               </a:ln>
               <a:extLst>
                 <a:ext uri="{91240B29-F687-4f45-9708-019B960494DF}">
-                  <a14:hiddenLine xmlns="" xmlns:a16="http://schemas.microsoft.com/office/drawing/2014/main" xmlns:p14="http://schemas.microsoft.com/office/powerpoint/2010/main" xmlns:a14="http://schemas.microsoft.com/office/drawing/2010/main" w="9525">
+                  <a14:hiddenLine xmlns:a14="http://schemas.microsoft.com/office/drawing/2010/main" xmlns:p14="http://schemas.microsoft.com/office/powerpoint/2010/main" xmlns:a16="http://schemas.microsoft.com/office/drawing/2014/main" xmlns="" w="9525">
                     <a:solidFill>
                       <a:srgbClr val="000000"/>
                     </a:solidFill>
@@ -32688,7 +32696,7 @@
               </a:ln>
               <a:extLst>
                 <a:ext uri="{91240B29-F687-4f45-9708-019B960494DF}">
-                  <a14:hiddenLine xmlns="" xmlns:a16="http://schemas.microsoft.com/office/drawing/2014/main" xmlns:p14="http://schemas.microsoft.com/office/powerpoint/2010/main" xmlns:a14="http://schemas.microsoft.com/office/drawing/2010/main" w="9525">
+                  <a14:hiddenLine xmlns:a14="http://schemas.microsoft.com/office/drawing/2010/main" xmlns:p14="http://schemas.microsoft.com/office/powerpoint/2010/main" xmlns:a16="http://schemas.microsoft.com/office/drawing/2014/main" xmlns="" w="9525">
                     <a:solidFill>
                       <a:srgbClr val="000000"/>
                     </a:solidFill>
@@ -32800,7 +32808,7 @@
               </a:ln>
               <a:extLst>
                 <a:ext uri="{91240B29-F687-4f45-9708-019B960494DF}">
-                  <a14:hiddenLine xmlns="" xmlns:a16="http://schemas.microsoft.com/office/drawing/2014/main" xmlns:p14="http://schemas.microsoft.com/office/powerpoint/2010/main" xmlns:a14="http://schemas.microsoft.com/office/drawing/2010/main" w="9525">
+                  <a14:hiddenLine xmlns:a14="http://schemas.microsoft.com/office/drawing/2010/main" xmlns:p14="http://schemas.microsoft.com/office/powerpoint/2010/main" xmlns:a16="http://schemas.microsoft.com/office/drawing/2014/main" xmlns="" w="9525">
                     <a:solidFill>
                       <a:srgbClr val="000000"/>
                     </a:solidFill>
@@ -32884,7 +32892,7 @@
               </a:ln>
               <a:extLst>
                 <a:ext uri="{91240B29-F687-4f45-9708-019B960494DF}">
-                  <a14:hiddenLine xmlns="" xmlns:a16="http://schemas.microsoft.com/office/drawing/2014/main" xmlns:p14="http://schemas.microsoft.com/office/powerpoint/2010/main" xmlns:a14="http://schemas.microsoft.com/office/drawing/2010/main" w="9525">
+                  <a14:hiddenLine xmlns:a14="http://schemas.microsoft.com/office/drawing/2010/main" xmlns:p14="http://schemas.microsoft.com/office/powerpoint/2010/main" xmlns:a16="http://schemas.microsoft.com/office/drawing/2014/main" xmlns="" w="9525">
                     <a:solidFill>
                       <a:srgbClr val="000000"/>
                     </a:solidFill>
@@ -32968,7 +32976,7 @@
               </a:ln>
               <a:extLst>
                 <a:ext uri="{91240B29-F687-4f45-9708-019B960494DF}">
-                  <a14:hiddenLine xmlns="" xmlns:a16="http://schemas.microsoft.com/office/drawing/2014/main" xmlns:p14="http://schemas.microsoft.com/office/powerpoint/2010/main" xmlns:a14="http://schemas.microsoft.com/office/drawing/2010/main" w="9525">
+                  <a14:hiddenLine xmlns:a14="http://schemas.microsoft.com/office/drawing/2010/main" xmlns:p14="http://schemas.microsoft.com/office/powerpoint/2010/main" xmlns:a16="http://schemas.microsoft.com/office/drawing/2014/main" xmlns="" w="9525">
                     <a:solidFill>
                       <a:srgbClr val="000000"/>
                     </a:solidFill>
@@ -33080,7 +33088,7 @@
               </a:ln>
               <a:extLst>
                 <a:ext uri="{91240B29-F687-4f45-9708-019B960494DF}">
-                  <a14:hiddenLine xmlns="" xmlns:a16="http://schemas.microsoft.com/office/drawing/2014/main" xmlns:p14="http://schemas.microsoft.com/office/powerpoint/2010/main" xmlns:a14="http://schemas.microsoft.com/office/drawing/2010/main" w="9525">
+                  <a14:hiddenLine xmlns:a14="http://schemas.microsoft.com/office/drawing/2010/main" xmlns:p14="http://schemas.microsoft.com/office/powerpoint/2010/main" xmlns:a16="http://schemas.microsoft.com/office/drawing/2014/main" xmlns="" w="9525">
                     <a:solidFill>
                       <a:srgbClr val="000000"/>
                     </a:solidFill>
@@ -33192,7 +33200,7 @@
               </a:ln>
               <a:extLst>
                 <a:ext uri="{91240B29-F687-4f45-9708-019B960494DF}">
-                  <a14:hiddenLine xmlns="" xmlns:a16="http://schemas.microsoft.com/office/drawing/2014/main" xmlns:p14="http://schemas.microsoft.com/office/powerpoint/2010/main" xmlns:a14="http://schemas.microsoft.com/office/drawing/2010/main" w="9525">
+                  <a14:hiddenLine xmlns:a14="http://schemas.microsoft.com/office/drawing/2010/main" xmlns:p14="http://schemas.microsoft.com/office/powerpoint/2010/main" xmlns:a16="http://schemas.microsoft.com/office/drawing/2014/main" xmlns="" w="9525">
                     <a:solidFill>
                       <a:srgbClr val="000000"/>
                     </a:solidFill>
@@ -33276,7 +33284,7 @@
               </a:ln>
               <a:extLst>
                 <a:ext uri="{91240B29-F687-4f45-9708-019B960494DF}">
-                  <a14:hiddenLine xmlns="" xmlns:a16="http://schemas.microsoft.com/office/drawing/2014/main" xmlns:p14="http://schemas.microsoft.com/office/powerpoint/2010/main" xmlns:a14="http://schemas.microsoft.com/office/drawing/2010/main" w="9525">
+                  <a14:hiddenLine xmlns:a14="http://schemas.microsoft.com/office/drawing/2010/main" xmlns:p14="http://schemas.microsoft.com/office/powerpoint/2010/main" xmlns:a16="http://schemas.microsoft.com/office/drawing/2014/main" xmlns="" w="9525">
                     <a:solidFill>
                       <a:srgbClr val="000000"/>
                     </a:solidFill>
@@ -33408,7 +33416,7 @@
               </a:ln>
               <a:extLst>
                 <a:ext uri="{91240B29-F687-4f45-9708-019B960494DF}">
-                  <a14:hiddenLine xmlns="" xmlns:a16="http://schemas.microsoft.com/office/drawing/2014/main" xmlns:p14="http://schemas.microsoft.com/office/powerpoint/2010/main" xmlns:a14="http://schemas.microsoft.com/office/drawing/2010/main" w="9525">
+                  <a14:hiddenLine xmlns:a14="http://schemas.microsoft.com/office/drawing/2010/main" xmlns:p14="http://schemas.microsoft.com/office/powerpoint/2010/main" xmlns:a16="http://schemas.microsoft.com/office/drawing/2014/main" xmlns="" w="9525">
                     <a:solidFill>
                       <a:srgbClr val="000000"/>
                     </a:solidFill>
@@ -33536,7 +33544,7 @@
               </a:ln>
               <a:extLst>
                 <a:ext uri="{91240B29-F687-4f45-9708-019B960494DF}">
-                  <a14:hiddenLine xmlns="" xmlns:a16="http://schemas.microsoft.com/office/drawing/2014/main" xmlns:p14="http://schemas.microsoft.com/office/powerpoint/2010/main" xmlns:a14="http://schemas.microsoft.com/office/drawing/2010/main" w="9525">
+                  <a14:hiddenLine xmlns:a14="http://schemas.microsoft.com/office/drawing/2010/main" xmlns:p14="http://schemas.microsoft.com/office/powerpoint/2010/main" xmlns:a16="http://schemas.microsoft.com/office/drawing/2014/main" xmlns="" w="9525">
                     <a:solidFill>
                       <a:srgbClr val="000000"/>
                     </a:solidFill>
@@ -33620,7 +33628,7 @@
               </a:ln>
               <a:extLst>
                 <a:ext uri="{91240B29-F687-4f45-9708-019B960494DF}">
-                  <a14:hiddenLine xmlns="" xmlns:a16="http://schemas.microsoft.com/office/drawing/2014/main" xmlns:p14="http://schemas.microsoft.com/office/powerpoint/2010/main" xmlns:a14="http://schemas.microsoft.com/office/drawing/2010/main" w="9525">
+                  <a14:hiddenLine xmlns:a14="http://schemas.microsoft.com/office/drawing/2010/main" xmlns:p14="http://schemas.microsoft.com/office/powerpoint/2010/main" xmlns:a16="http://schemas.microsoft.com/office/drawing/2014/main" xmlns="" w="9525">
                     <a:solidFill>
                       <a:srgbClr val="000000"/>
                     </a:solidFill>
@@ -33704,7 +33712,7 @@
               </a:ln>
               <a:extLst>
                 <a:ext uri="{91240B29-F687-4f45-9708-019B960494DF}">
-                  <a14:hiddenLine xmlns="" xmlns:a16="http://schemas.microsoft.com/office/drawing/2014/main" xmlns:p14="http://schemas.microsoft.com/office/powerpoint/2010/main" xmlns:a14="http://schemas.microsoft.com/office/drawing/2010/main" w="9525">
+                  <a14:hiddenLine xmlns:a14="http://schemas.microsoft.com/office/drawing/2010/main" xmlns:p14="http://schemas.microsoft.com/office/powerpoint/2010/main" xmlns:a16="http://schemas.microsoft.com/office/drawing/2014/main" xmlns="" w="9525">
                     <a:solidFill>
                       <a:srgbClr val="000000"/>
                     </a:solidFill>
@@ -33816,7 +33824,7 @@
               </a:ln>
               <a:extLst>
                 <a:ext uri="{91240B29-F687-4f45-9708-019B960494DF}">
-                  <a14:hiddenLine xmlns="" xmlns:a16="http://schemas.microsoft.com/office/drawing/2014/main" xmlns:p14="http://schemas.microsoft.com/office/powerpoint/2010/main" xmlns:a14="http://schemas.microsoft.com/office/drawing/2010/main" w="9525">
+                  <a14:hiddenLine xmlns:a14="http://schemas.microsoft.com/office/drawing/2010/main" xmlns:p14="http://schemas.microsoft.com/office/powerpoint/2010/main" xmlns:a16="http://schemas.microsoft.com/office/drawing/2014/main" xmlns="" w="9525">
                     <a:solidFill>
                       <a:srgbClr val="000000"/>
                     </a:solidFill>
@@ -33872,7 +33880,7 @@
               </a:ln>
               <a:extLst>
                 <a:ext uri="{91240B29-F687-4f45-9708-019B960494DF}">
-                  <a14:hiddenLine xmlns="" xmlns:a16="http://schemas.microsoft.com/office/drawing/2014/main" xmlns:p14="http://schemas.microsoft.com/office/powerpoint/2010/main" xmlns:a14="http://schemas.microsoft.com/office/drawing/2010/main" w="9525">
+                  <a14:hiddenLine xmlns:a14="http://schemas.microsoft.com/office/drawing/2010/main" xmlns:p14="http://schemas.microsoft.com/office/powerpoint/2010/main" xmlns:a16="http://schemas.microsoft.com/office/drawing/2014/main" xmlns="" w="9525">
                     <a:solidFill>
                       <a:srgbClr val="000000"/>
                     </a:solidFill>
@@ -33959,7 +33967,7 @@
               </a:ln>
               <a:extLst>
                 <a:ext uri="{91240B29-F687-4f45-9708-019B960494DF}">
-                  <a14:hiddenLine xmlns="" xmlns:a16="http://schemas.microsoft.com/office/drawing/2014/main" xmlns:p14="http://schemas.microsoft.com/office/powerpoint/2010/main" xmlns:a14="http://schemas.microsoft.com/office/drawing/2010/main" w="9525">
+                  <a14:hiddenLine xmlns:a14="http://schemas.microsoft.com/office/drawing/2010/main" xmlns:p14="http://schemas.microsoft.com/office/powerpoint/2010/main" xmlns:a16="http://schemas.microsoft.com/office/drawing/2014/main" xmlns="" w="9525">
                     <a:solidFill>
                       <a:srgbClr val="000000"/>
                     </a:solidFill>
@@ -34071,7 +34079,7 @@
               </a:ln>
               <a:extLst>
                 <a:ext uri="{91240B29-F687-4f45-9708-019B960494DF}">
-                  <a14:hiddenLine xmlns="" xmlns:a16="http://schemas.microsoft.com/office/drawing/2014/main" xmlns:p14="http://schemas.microsoft.com/office/powerpoint/2010/main" xmlns:a14="http://schemas.microsoft.com/office/drawing/2010/main" w="9525">
+                  <a14:hiddenLine xmlns:a14="http://schemas.microsoft.com/office/drawing/2010/main" xmlns:p14="http://schemas.microsoft.com/office/powerpoint/2010/main" xmlns:a16="http://schemas.microsoft.com/office/drawing/2014/main" xmlns="" w="9525">
                     <a:solidFill>
                       <a:srgbClr val="000000"/>
                     </a:solidFill>
@@ -34155,7 +34163,7 @@
               </a:ln>
               <a:extLst>
                 <a:ext uri="{91240B29-F687-4f45-9708-019B960494DF}">
-                  <a14:hiddenLine xmlns="" xmlns:a16="http://schemas.microsoft.com/office/drawing/2014/main" xmlns:p14="http://schemas.microsoft.com/office/powerpoint/2010/main" xmlns:a14="http://schemas.microsoft.com/office/drawing/2010/main" w="9525">
+                  <a14:hiddenLine xmlns:a14="http://schemas.microsoft.com/office/drawing/2010/main" xmlns:p14="http://schemas.microsoft.com/office/powerpoint/2010/main" xmlns:a16="http://schemas.microsoft.com/office/drawing/2014/main" xmlns="" w="9525">
                     <a:solidFill>
                       <a:srgbClr val="000000"/>
                     </a:solidFill>
@@ -34267,7 +34275,7 @@
               </a:ln>
               <a:extLst>
                 <a:ext uri="{91240B29-F687-4f45-9708-019B960494DF}">
-                  <a14:hiddenLine xmlns="" xmlns:a16="http://schemas.microsoft.com/office/drawing/2014/main" xmlns:p14="http://schemas.microsoft.com/office/powerpoint/2010/main" xmlns:a14="http://schemas.microsoft.com/office/drawing/2010/main" w="9525">
+                  <a14:hiddenLine xmlns:a14="http://schemas.microsoft.com/office/drawing/2010/main" xmlns:p14="http://schemas.microsoft.com/office/powerpoint/2010/main" xmlns:a16="http://schemas.microsoft.com/office/drawing/2014/main" xmlns="" w="9525">
                     <a:solidFill>
                       <a:srgbClr val="000000"/>
                     </a:solidFill>
@@ -34354,7 +34362,7 @@
               </a:ln>
               <a:extLst>
                 <a:ext uri="{91240B29-F687-4f45-9708-019B960494DF}">
-                  <a14:hiddenLine xmlns="" xmlns:a16="http://schemas.microsoft.com/office/drawing/2014/main" xmlns:p14="http://schemas.microsoft.com/office/powerpoint/2010/main" xmlns:a14="http://schemas.microsoft.com/office/drawing/2010/main" w="9525">
+                  <a14:hiddenLine xmlns:a14="http://schemas.microsoft.com/office/drawing/2010/main" xmlns:p14="http://schemas.microsoft.com/office/powerpoint/2010/main" xmlns:a16="http://schemas.microsoft.com/office/drawing/2014/main" xmlns="" w="9525">
                     <a:solidFill>
                       <a:srgbClr val="000000"/>
                     </a:solidFill>
@@ -34438,7 +34446,7 @@
               </a:ln>
               <a:extLst>
                 <a:ext uri="{91240B29-F687-4f45-9708-019B960494DF}">
-                  <a14:hiddenLine xmlns="" xmlns:a16="http://schemas.microsoft.com/office/drawing/2014/main" xmlns:p14="http://schemas.microsoft.com/office/powerpoint/2010/main" xmlns:a14="http://schemas.microsoft.com/office/drawing/2010/main" w="9525">
+                  <a14:hiddenLine xmlns:a14="http://schemas.microsoft.com/office/drawing/2010/main" xmlns:p14="http://schemas.microsoft.com/office/powerpoint/2010/main" xmlns:a16="http://schemas.microsoft.com/office/drawing/2014/main" xmlns="" w="9525">
                     <a:solidFill>
                       <a:srgbClr val="000000"/>
                     </a:solidFill>
@@ -34550,7 +34558,7 @@
               </a:ln>
               <a:extLst>
                 <a:ext uri="{91240B29-F687-4f45-9708-019B960494DF}">
-                  <a14:hiddenLine xmlns="" xmlns:a16="http://schemas.microsoft.com/office/drawing/2014/main" xmlns:p14="http://schemas.microsoft.com/office/powerpoint/2010/main" xmlns:a14="http://schemas.microsoft.com/office/drawing/2010/main" w="9525">
+                  <a14:hiddenLine xmlns:a14="http://schemas.microsoft.com/office/drawing/2010/main" xmlns:p14="http://schemas.microsoft.com/office/powerpoint/2010/main" xmlns:a16="http://schemas.microsoft.com/office/drawing/2014/main" xmlns="" w="9525">
                     <a:solidFill>
                       <a:srgbClr val="000000"/>
                     </a:solidFill>
@@ -34662,7 +34670,7 @@
               </a:ln>
               <a:extLst>
                 <a:ext uri="{91240B29-F687-4f45-9708-019B960494DF}">
-                  <a14:hiddenLine xmlns="" xmlns:a16="http://schemas.microsoft.com/office/drawing/2014/main" xmlns:p14="http://schemas.microsoft.com/office/powerpoint/2010/main" xmlns:a14="http://schemas.microsoft.com/office/drawing/2010/main" w="9525">
+                  <a14:hiddenLine xmlns:a14="http://schemas.microsoft.com/office/drawing/2010/main" xmlns:p14="http://schemas.microsoft.com/office/powerpoint/2010/main" xmlns:a16="http://schemas.microsoft.com/office/drawing/2014/main" xmlns="" w="9525">
                     <a:solidFill>
                       <a:srgbClr val="000000"/>
                     </a:solidFill>
@@ -34749,7 +34757,7 @@
               </a:ln>
               <a:extLst>
                 <a:ext uri="{91240B29-F687-4f45-9708-019B960494DF}">
-                  <a14:hiddenLine xmlns="" xmlns:a16="http://schemas.microsoft.com/office/drawing/2014/main" xmlns:p14="http://schemas.microsoft.com/office/powerpoint/2010/main" xmlns:a14="http://schemas.microsoft.com/office/drawing/2010/main" w="9525">
+                  <a14:hiddenLine xmlns:a14="http://schemas.microsoft.com/office/drawing/2010/main" xmlns:p14="http://schemas.microsoft.com/office/powerpoint/2010/main" xmlns:a16="http://schemas.microsoft.com/office/drawing/2014/main" xmlns="" w="9525">
                     <a:solidFill>
                       <a:srgbClr val="000000"/>
                     </a:solidFill>
@@ -34891,7 +34899,7 @@
               </a:ln>
               <a:extLst>
                 <a:ext uri="{91240B29-F687-4f45-9708-019B960494DF}">
-                  <a14:hiddenLine xmlns="" xmlns:a16="http://schemas.microsoft.com/office/drawing/2014/main" xmlns:p14="http://schemas.microsoft.com/office/powerpoint/2010/main" xmlns:a14="http://schemas.microsoft.com/office/drawing/2010/main" w="9525">
+                  <a14:hiddenLine xmlns:a14="http://schemas.microsoft.com/office/drawing/2010/main" xmlns:p14="http://schemas.microsoft.com/office/powerpoint/2010/main" xmlns:a16="http://schemas.microsoft.com/office/drawing/2014/main" xmlns="" w="9525">
                     <a:solidFill>
                       <a:srgbClr val="000000"/>
                     </a:solidFill>
@@ -35026,7 +35034,7 @@
               </a:ln>
               <a:extLst>
                 <a:ext uri="{91240B29-F687-4f45-9708-019B960494DF}">
-                  <a14:hiddenLine xmlns="" xmlns:a16="http://schemas.microsoft.com/office/drawing/2014/main" xmlns:p14="http://schemas.microsoft.com/office/powerpoint/2010/main" xmlns:a14="http://schemas.microsoft.com/office/drawing/2010/main" w="9525">
+                  <a14:hiddenLine xmlns:a14="http://schemas.microsoft.com/office/drawing/2010/main" xmlns:p14="http://schemas.microsoft.com/office/powerpoint/2010/main" xmlns:a16="http://schemas.microsoft.com/office/drawing/2014/main" xmlns="" w="9525">
                     <a:solidFill>
                       <a:srgbClr val="000000"/>
                     </a:solidFill>
@@ -35163,7 +35171,7 @@
               </a:ln>
               <a:extLst>
                 <a:ext uri="{91240B29-F687-4f45-9708-019B960494DF}">
-                  <a14:hiddenLine xmlns="" xmlns:a16="http://schemas.microsoft.com/office/drawing/2014/main" xmlns:p14="http://schemas.microsoft.com/office/powerpoint/2010/main" xmlns:a14="http://schemas.microsoft.com/office/drawing/2010/main" w="9525">
+                  <a14:hiddenLine xmlns:a14="http://schemas.microsoft.com/office/drawing/2010/main" xmlns:p14="http://schemas.microsoft.com/office/powerpoint/2010/main" xmlns:a16="http://schemas.microsoft.com/office/drawing/2014/main" xmlns="" w="9525">
                     <a:solidFill>
                       <a:srgbClr val="000000"/>
                     </a:solidFill>
@@ -35275,7 +35283,7 @@
               </a:ln>
               <a:extLst>
                 <a:ext uri="{91240B29-F687-4f45-9708-019B960494DF}">
-                  <a14:hiddenLine xmlns="" xmlns:a16="http://schemas.microsoft.com/office/drawing/2014/main" xmlns:p14="http://schemas.microsoft.com/office/powerpoint/2010/main" xmlns:a14="http://schemas.microsoft.com/office/drawing/2010/main" w="9525">
+                  <a14:hiddenLine xmlns:a14="http://schemas.microsoft.com/office/drawing/2010/main" xmlns:p14="http://schemas.microsoft.com/office/powerpoint/2010/main" xmlns:a16="http://schemas.microsoft.com/office/drawing/2014/main" xmlns="" w="9525">
                     <a:solidFill>
                       <a:srgbClr val="000000"/>
                     </a:solidFill>
@@ -35362,7 +35370,7 @@
               </a:ln>
               <a:extLst>
                 <a:ext uri="{91240B29-F687-4f45-9708-019B960494DF}">
-                  <a14:hiddenLine xmlns="" xmlns:a16="http://schemas.microsoft.com/office/drawing/2014/main" xmlns:p14="http://schemas.microsoft.com/office/powerpoint/2010/main" xmlns:a14="http://schemas.microsoft.com/office/drawing/2010/main" w="9525">
+                  <a14:hiddenLine xmlns:a14="http://schemas.microsoft.com/office/drawing/2010/main" xmlns:p14="http://schemas.microsoft.com/office/powerpoint/2010/main" xmlns:a16="http://schemas.microsoft.com/office/drawing/2014/main" xmlns="" w="9525">
                     <a:solidFill>
                       <a:srgbClr val="000000"/>
                     </a:solidFill>
@@ -35474,7 +35482,7 @@
               </a:ln>
               <a:extLst>
                 <a:ext uri="{91240B29-F687-4f45-9708-019B960494DF}">
-                  <a14:hiddenLine xmlns="" xmlns:a16="http://schemas.microsoft.com/office/drawing/2014/main" xmlns:p14="http://schemas.microsoft.com/office/powerpoint/2010/main" xmlns:a14="http://schemas.microsoft.com/office/drawing/2010/main" w="9525">
+                  <a14:hiddenLine xmlns:a14="http://schemas.microsoft.com/office/drawing/2010/main" xmlns:p14="http://schemas.microsoft.com/office/powerpoint/2010/main" xmlns:a16="http://schemas.microsoft.com/office/drawing/2014/main" xmlns="" w="9525">
                     <a:solidFill>
                       <a:srgbClr val="000000"/>
                     </a:solidFill>
@@ -35564,7 +35572,7 @@
               </a:ln>
               <a:extLst>
                 <a:ext uri="{91240B29-F687-4f45-9708-019B960494DF}">
-                  <a14:hiddenLine xmlns="" xmlns:a16="http://schemas.microsoft.com/office/drawing/2014/main" xmlns:p14="http://schemas.microsoft.com/office/powerpoint/2010/main" xmlns:a14="http://schemas.microsoft.com/office/drawing/2010/main" w="9525">
+                  <a14:hiddenLine xmlns:a14="http://schemas.microsoft.com/office/drawing/2010/main" xmlns:p14="http://schemas.microsoft.com/office/powerpoint/2010/main" xmlns:a16="http://schemas.microsoft.com/office/drawing/2014/main" xmlns="" w="9525">
                     <a:solidFill>
                       <a:srgbClr val="000000"/>
                     </a:solidFill>
@@ -35676,7 +35684,7 @@
               </a:ln>
               <a:extLst>
                 <a:ext uri="{91240B29-F687-4f45-9708-019B960494DF}">
-                  <a14:hiddenLine xmlns="" xmlns:a16="http://schemas.microsoft.com/office/drawing/2014/main" xmlns:p14="http://schemas.microsoft.com/office/powerpoint/2010/main" xmlns:a14="http://schemas.microsoft.com/office/drawing/2010/main" w="9525">
+                  <a14:hiddenLine xmlns:a14="http://schemas.microsoft.com/office/drawing/2010/main" xmlns:p14="http://schemas.microsoft.com/office/powerpoint/2010/main" xmlns:a16="http://schemas.microsoft.com/office/drawing/2014/main" xmlns="" w="9525">
                     <a:solidFill>
                       <a:srgbClr val="000000"/>
                     </a:solidFill>
@@ -35766,7 +35774,7 @@
               </a:ln>
               <a:extLst>
                 <a:ext uri="{91240B29-F687-4f45-9708-019B960494DF}">
-                  <a14:hiddenLine xmlns="" xmlns:a16="http://schemas.microsoft.com/office/drawing/2014/main" xmlns:p14="http://schemas.microsoft.com/office/powerpoint/2010/main" xmlns:a14="http://schemas.microsoft.com/office/drawing/2010/main" w="9525">
+                  <a14:hiddenLine xmlns:a14="http://schemas.microsoft.com/office/drawing/2010/main" xmlns:p14="http://schemas.microsoft.com/office/powerpoint/2010/main" xmlns:a16="http://schemas.microsoft.com/office/drawing/2014/main" xmlns="" w="9525">
                     <a:solidFill>
                       <a:srgbClr val="000000"/>
                     </a:solidFill>
@@ -35878,7 +35886,7 @@
               </a:ln>
               <a:extLst>
                 <a:ext uri="{91240B29-F687-4f45-9708-019B960494DF}">
-                  <a14:hiddenLine xmlns="" xmlns:a16="http://schemas.microsoft.com/office/drawing/2014/main" xmlns:p14="http://schemas.microsoft.com/office/powerpoint/2010/main" xmlns:a14="http://schemas.microsoft.com/office/drawing/2010/main" w="9525">
+                  <a14:hiddenLine xmlns:a14="http://schemas.microsoft.com/office/drawing/2010/main" xmlns:p14="http://schemas.microsoft.com/office/powerpoint/2010/main" xmlns:a16="http://schemas.microsoft.com/office/drawing/2014/main" xmlns="" w="9525">
                     <a:solidFill>
                       <a:srgbClr val="000000"/>
                     </a:solidFill>
@@ -35934,7 +35942,7 @@
               </a:ln>
               <a:extLst>
                 <a:ext uri="{91240B29-F687-4f45-9708-019B960494DF}">
-                  <a14:hiddenLine xmlns="" xmlns:a16="http://schemas.microsoft.com/office/drawing/2014/main" xmlns:p14="http://schemas.microsoft.com/office/powerpoint/2010/main" xmlns:a14="http://schemas.microsoft.com/office/drawing/2010/main" w="9525">
+                  <a14:hiddenLine xmlns:a14="http://schemas.microsoft.com/office/drawing/2010/main" xmlns:p14="http://schemas.microsoft.com/office/powerpoint/2010/main" xmlns:a16="http://schemas.microsoft.com/office/drawing/2014/main" xmlns="" w="9525">
                     <a:solidFill>
                       <a:srgbClr val="000000"/>
                     </a:solidFill>
@@ -36066,7 +36074,7 @@
             <p:ph sz="half" idx="1"/>
             <p:extLst>
               <p:ext uri="{D42A27DB-BD31-4B8C-83A1-F6EECF244321}">
-                <p14:modId xmlns:p14="http://schemas.microsoft.com/office/powerpoint/2010/main" val="2816271319"/>
+                <p14:modId xmlns:p14="http://schemas.microsoft.com/office/powerpoint/2010/main" val="1819562104"/>
               </p:ext>
             </p:extLst>
           </p:nvPr>
@@ -36091,13 +36099,13 @@
   <p:clrMapOvr>
     <a:masterClrMapping/>
   </p:clrMapOvr>
-  <mc:AlternateContent xmlns:mc="http://schemas.openxmlformats.org/markup-compatibility/2006">
-    <mc:Choice xmlns:p159="http://schemas.microsoft.com/office/powerpoint/2015/09/main" Requires="p159">
+  <mc:AlternateContent xmlns:mc="http://schemas.openxmlformats.org/markup-compatibility/2006" xmlns:p159="http://schemas.microsoft.com/office/powerpoint/2015/09/main">
+    <mc:Choice Requires="p159">
       <p:transition spd="slow">
         <p159:morph option="byObject"/>
       </p:transition>
     </mc:Choice>
-    <mc:Fallback>
+    <mc:Fallback xmlns="">
       <p:transition spd="slow">
         <p:fade/>
       </p:transition>
@@ -36183,7 +36191,7 @@
         </p:spPr>
         <p:txBody>
           <a:bodyPr vert="horz" lIns="91440" tIns="45720" rIns="91440" bIns="45720" rtlCol="0">
-            <a:normAutofit fontScale="77500" lnSpcReduction="20000"/>
+            <a:normAutofit fontScale="92500" lnSpcReduction="20000"/>
           </a:bodyPr>
           <a:lstStyle>
             <a:lvl1pPr marL="228600" indent="-228600" algn="l" defTabSz="914400" rtl="0" eaLnBrk="1" latinLnBrk="0" hangingPunct="1">
@@ -36394,16 +36402,6 @@
             </a:pPr>
             <a:r>
               <a:rPr lang="en-US" dirty="0"/>
-              <a:t>Automated test generation, while useful, requires filtering for quality.</a:t>
-            </a:r>
-          </a:p>
-          <a:p>
-            <a:pPr>
-              <a:buFont typeface="Arial" panose="020B0604020202020204" pitchFamily="34" charset="0"/>
-              <a:buChar char="•"/>
-            </a:pPr>
-            <a:r>
-              <a:rPr lang="en-US" dirty="0"/>
               <a:t>External libraries can introduce hidden security risks.</a:t>
             </a:r>
           </a:p>
@@ -36459,13 +36457,13 @@
   <p:clrMapOvr>
     <a:masterClrMapping/>
   </p:clrMapOvr>
-  <mc:AlternateContent xmlns:mc="http://schemas.openxmlformats.org/markup-compatibility/2006">
-    <mc:Choice xmlns:p159="http://schemas.microsoft.com/office/powerpoint/2015/09/main" Requires="p159">
+  <mc:AlternateContent xmlns:mc="http://schemas.openxmlformats.org/markup-compatibility/2006" xmlns:p159="http://schemas.microsoft.com/office/powerpoint/2015/09/main">
+    <mc:Choice Requires="p159">
       <p:transition spd="slow">
         <p159:morph option="byObject"/>
       </p:transition>
     </mc:Choice>
-    <mc:Fallback>
+    <mc:Fallback xmlns="">
       <p:transition spd="slow">
         <p:fade/>
       </p:transition>
@@ -36563,7 +36561,7 @@
           <a:noFill/>
           <a:extLst>
             <a:ext uri="{909E8E84-426E-40dd-AFC4-6F175D3DCCD1}">
-              <a14:hiddenFill xmlns="" xmlns:a16="http://schemas.microsoft.com/office/drawing/2014/main" xmlns:a14="http://schemas.microsoft.com/office/drawing/2010/main">
+              <a14:hiddenFill xmlns:a14="http://schemas.microsoft.com/office/drawing/2010/main" xmlns:a16="http://schemas.microsoft.com/office/drawing/2014/main" xmlns="">
                 <a:solidFill>
                   <a:srgbClr val="FFFFFF"/>
                 </a:solidFill>
@@ -36655,7 +36653,7 @@
             </a:ln>
             <a:extLst>
               <a:ext uri="{91240B29-F687-4f45-9708-019B960494DF}">
-                <a14:hiddenLine xmlns="" xmlns:a16="http://schemas.microsoft.com/office/drawing/2014/main" xmlns:a14="http://schemas.microsoft.com/office/drawing/2010/main" w="9525">
+                <a14:hiddenLine xmlns:a14="http://schemas.microsoft.com/office/drawing/2010/main" xmlns:a16="http://schemas.microsoft.com/office/drawing/2014/main" xmlns="" w="9525">
                   <a:solidFill>
                     <a:srgbClr val="000000"/>
                   </a:solidFill>
@@ -36767,7 +36765,7 @@
             </a:ln>
             <a:extLst>
               <a:ext uri="{91240B29-F687-4f45-9708-019B960494DF}">
-                <a14:hiddenLine xmlns="" xmlns:a16="http://schemas.microsoft.com/office/drawing/2014/main" xmlns:a14="http://schemas.microsoft.com/office/drawing/2010/main" w="9525">
+                <a14:hiddenLine xmlns:a14="http://schemas.microsoft.com/office/drawing/2010/main" xmlns:a16="http://schemas.microsoft.com/office/drawing/2014/main" xmlns="" w="9525">
                   <a:solidFill>
                     <a:srgbClr val="000000"/>
                   </a:solidFill>
@@ -36879,7 +36877,7 @@
             </a:ln>
             <a:extLst>
               <a:ext uri="{91240B29-F687-4f45-9708-019B960494DF}">
-                <a14:hiddenLine xmlns="" xmlns:a16="http://schemas.microsoft.com/office/drawing/2014/main" xmlns:a14="http://schemas.microsoft.com/office/drawing/2010/main" w="9525">
+                <a14:hiddenLine xmlns:a14="http://schemas.microsoft.com/office/drawing/2010/main" xmlns:a16="http://schemas.microsoft.com/office/drawing/2014/main" xmlns="" w="9525">
                   <a:solidFill>
                     <a:srgbClr val="000000"/>
                   </a:solidFill>
@@ -36935,7 +36933,7 @@
             </a:ln>
             <a:extLst>
               <a:ext uri="{91240B29-F687-4f45-9708-019B960494DF}">
-                <a14:hiddenLine xmlns="" xmlns:a16="http://schemas.microsoft.com/office/drawing/2014/main" xmlns:a14="http://schemas.microsoft.com/office/drawing/2010/main" w="9525">
+                <a14:hiddenLine xmlns:a14="http://schemas.microsoft.com/office/drawing/2010/main" xmlns:a16="http://schemas.microsoft.com/office/drawing/2014/main" xmlns="" w="9525">
                   <a:solidFill>
                     <a:srgbClr val="000000"/>
                   </a:solidFill>
@@ -37047,7 +37045,7 @@
             </a:ln>
             <a:extLst>
               <a:ext uri="{91240B29-F687-4f45-9708-019B960494DF}">
-                <a14:hiddenLine xmlns="" xmlns:a16="http://schemas.microsoft.com/office/drawing/2014/main" xmlns:a14="http://schemas.microsoft.com/office/drawing/2010/main" w="9525">
+                <a14:hiddenLine xmlns:a14="http://schemas.microsoft.com/office/drawing/2010/main" xmlns:a16="http://schemas.microsoft.com/office/drawing/2014/main" xmlns="" w="9525">
                   <a:solidFill>
                     <a:srgbClr val="000000"/>
                   </a:solidFill>
@@ -37131,7 +37129,7 @@
             </a:ln>
             <a:extLst>
               <a:ext uri="{91240B29-F687-4f45-9708-019B960494DF}">
-                <a14:hiddenLine xmlns="" xmlns:a16="http://schemas.microsoft.com/office/drawing/2014/main" xmlns:a14="http://schemas.microsoft.com/office/drawing/2010/main" w="9525">
+                <a14:hiddenLine xmlns:a14="http://schemas.microsoft.com/office/drawing/2010/main" xmlns:a16="http://schemas.microsoft.com/office/drawing/2014/main" xmlns="" w="9525">
                   <a:solidFill>
                     <a:srgbClr val="000000"/>
                   </a:solidFill>
@@ -37215,7 +37213,7 @@
             </a:ln>
             <a:extLst>
               <a:ext uri="{91240B29-F687-4f45-9708-019B960494DF}">
-                <a14:hiddenLine xmlns="" xmlns:a16="http://schemas.microsoft.com/office/drawing/2014/main" xmlns:a14="http://schemas.microsoft.com/office/drawing/2010/main" w="9525">
+                <a14:hiddenLine xmlns:a14="http://schemas.microsoft.com/office/drawing/2010/main" xmlns:a16="http://schemas.microsoft.com/office/drawing/2014/main" xmlns="" w="9525">
                   <a:solidFill>
                     <a:srgbClr val="000000"/>
                   </a:solidFill>
@@ -37327,7 +37325,7 @@
             </a:ln>
             <a:extLst>
               <a:ext uri="{91240B29-F687-4f45-9708-019B960494DF}">
-                <a14:hiddenLine xmlns="" xmlns:a16="http://schemas.microsoft.com/office/drawing/2014/main" xmlns:a14="http://schemas.microsoft.com/office/drawing/2010/main" w="9525">
+                <a14:hiddenLine xmlns:a14="http://schemas.microsoft.com/office/drawing/2010/main" xmlns:a16="http://schemas.microsoft.com/office/drawing/2014/main" xmlns="" w="9525">
                   <a:solidFill>
                     <a:srgbClr val="000000"/>
                   </a:solidFill>
@@ -37411,7 +37409,7 @@
             </a:ln>
             <a:extLst>
               <a:ext uri="{91240B29-F687-4f45-9708-019B960494DF}">
-                <a14:hiddenLine xmlns="" xmlns:a16="http://schemas.microsoft.com/office/drawing/2014/main" xmlns:a14="http://schemas.microsoft.com/office/drawing/2010/main" w="9525">
+                <a14:hiddenLine xmlns:a14="http://schemas.microsoft.com/office/drawing/2010/main" xmlns:a16="http://schemas.microsoft.com/office/drawing/2014/main" xmlns="" w="9525">
                   <a:solidFill>
                     <a:srgbClr val="000000"/>
                   </a:solidFill>
@@ -37495,7 +37493,7 @@
             </a:ln>
             <a:extLst>
               <a:ext uri="{91240B29-F687-4f45-9708-019B960494DF}">
-                <a14:hiddenLine xmlns="" xmlns:a16="http://schemas.microsoft.com/office/drawing/2014/main" xmlns:a14="http://schemas.microsoft.com/office/drawing/2010/main" w="9525">
+                <a14:hiddenLine xmlns:a14="http://schemas.microsoft.com/office/drawing/2010/main" xmlns:a16="http://schemas.microsoft.com/office/drawing/2014/main" xmlns="" w="9525">
                   <a:solidFill>
                     <a:srgbClr val="000000"/>
                   </a:solidFill>
@@ -37607,7 +37605,7 @@
             </a:ln>
             <a:extLst>
               <a:ext uri="{91240B29-F687-4f45-9708-019B960494DF}">
-                <a14:hiddenLine xmlns="" xmlns:a16="http://schemas.microsoft.com/office/drawing/2014/main" xmlns:a14="http://schemas.microsoft.com/office/drawing/2010/main" w="9525">
+                <a14:hiddenLine xmlns:a14="http://schemas.microsoft.com/office/drawing/2010/main" xmlns:a16="http://schemas.microsoft.com/office/drawing/2014/main" xmlns="" w="9525">
                   <a:solidFill>
                     <a:srgbClr val="000000"/>
                   </a:solidFill>
@@ -37719,7 +37717,7 @@
             </a:ln>
             <a:extLst>
               <a:ext uri="{91240B29-F687-4f45-9708-019B960494DF}">
-                <a14:hiddenLine xmlns="" xmlns:a16="http://schemas.microsoft.com/office/drawing/2014/main" xmlns:a14="http://schemas.microsoft.com/office/drawing/2010/main" w="9525">
+                <a14:hiddenLine xmlns:a14="http://schemas.microsoft.com/office/drawing/2010/main" xmlns:a16="http://schemas.microsoft.com/office/drawing/2014/main" xmlns="" w="9525">
                   <a:solidFill>
                     <a:srgbClr val="000000"/>
                   </a:solidFill>
@@ -37803,7 +37801,7 @@
             </a:ln>
             <a:extLst>
               <a:ext uri="{91240B29-F687-4f45-9708-019B960494DF}">
-                <a14:hiddenLine xmlns="" xmlns:a16="http://schemas.microsoft.com/office/drawing/2014/main" xmlns:a14="http://schemas.microsoft.com/office/drawing/2010/main" w="9525">
+                <a14:hiddenLine xmlns:a14="http://schemas.microsoft.com/office/drawing/2010/main" xmlns:a16="http://schemas.microsoft.com/office/drawing/2014/main" xmlns="" w="9525">
                   <a:solidFill>
                     <a:srgbClr val="000000"/>
                   </a:solidFill>
@@ -37935,7 +37933,7 @@
             </a:ln>
             <a:extLst>
               <a:ext uri="{91240B29-F687-4f45-9708-019B960494DF}">
-                <a14:hiddenLine xmlns="" xmlns:a16="http://schemas.microsoft.com/office/drawing/2014/main" xmlns:a14="http://schemas.microsoft.com/office/drawing/2010/main" w="9525">
+                <a14:hiddenLine xmlns:a14="http://schemas.microsoft.com/office/drawing/2010/main" xmlns:a16="http://schemas.microsoft.com/office/drawing/2014/main" xmlns="" w="9525">
                   <a:solidFill>
                     <a:srgbClr val="000000"/>
                   </a:solidFill>
@@ -38019,7 +38017,7 @@
             </a:ln>
             <a:extLst>
               <a:ext uri="{91240B29-F687-4f45-9708-019B960494DF}">
-                <a14:hiddenLine xmlns="" xmlns:a16="http://schemas.microsoft.com/office/drawing/2014/main" xmlns:a14="http://schemas.microsoft.com/office/drawing/2010/main" w="9525">
+                <a14:hiddenLine xmlns:a14="http://schemas.microsoft.com/office/drawing/2010/main" xmlns:a16="http://schemas.microsoft.com/office/drawing/2014/main" xmlns="" w="9525">
                   <a:solidFill>
                     <a:srgbClr val="000000"/>
                   </a:solidFill>
@@ -38131,7 +38129,7 @@
             </a:ln>
             <a:extLst>
               <a:ext uri="{91240B29-F687-4f45-9708-019B960494DF}">
-                <a14:hiddenLine xmlns="" xmlns:a16="http://schemas.microsoft.com/office/drawing/2014/main" xmlns:a14="http://schemas.microsoft.com/office/drawing/2010/main" w="9525">
+                <a14:hiddenLine xmlns:a14="http://schemas.microsoft.com/office/drawing/2010/main" xmlns:a16="http://schemas.microsoft.com/office/drawing/2014/main" xmlns="" w="9525">
                   <a:solidFill>
                     <a:srgbClr val="000000"/>
                   </a:solidFill>
@@ -38243,7 +38241,7 @@
             </a:ln>
             <a:extLst>
               <a:ext uri="{91240B29-F687-4f45-9708-019B960494DF}">
-                <a14:hiddenLine xmlns="" xmlns:a16="http://schemas.microsoft.com/office/drawing/2014/main" xmlns:a14="http://schemas.microsoft.com/office/drawing/2010/main" w="9525">
+                <a14:hiddenLine xmlns:a14="http://schemas.microsoft.com/office/drawing/2010/main" xmlns:a16="http://schemas.microsoft.com/office/drawing/2014/main" xmlns="" w="9525">
                   <a:solidFill>
                     <a:srgbClr val="000000"/>
                   </a:solidFill>
@@ -38327,7 +38325,7 @@
             </a:ln>
             <a:extLst>
               <a:ext uri="{91240B29-F687-4f45-9708-019B960494DF}">
-                <a14:hiddenLine xmlns="" xmlns:a16="http://schemas.microsoft.com/office/drawing/2014/main" xmlns:a14="http://schemas.microsoft.com/office/drawing/2010/main" w="9525">
+                <a14:hiddenLine xmlns:a14="http://schemas.microsoft.com/office/drawing/2010/main" xmlns:a16="http://schemas.microsoft.com/office/drawing/2014/main" xmlns="" w="9525">
                   <a:solidFill>
                     <a:srgbClr val="000000"/>
                   </a:solidFill>
@@ -38439,7 +38437,7 @@
             </a:ln>
             <a:extLst>
               <a:ext uri="{91240B29-F687-4f45-9708-019B960494DF}">
-                <a14:hiddenLine xmlns="" xmlns:a16="http://schemas.microsoft.com/office/drawing/2014/main" xmlns:a14="http://schemas.microsoft.com/office/drawing/2010/main" w="9525">
+                <a14:hiddenLine xmlns:a14="http://schemas.microsoft.com/office/drawing/2010/main" xmlns:a16="http://schemas.microsoft.com/office/drawing/2014/main" xmlns="" w="9525">
                   <a:solidFill>
                     <a:srgbClr val="000000"/>
                   </a:solidFill>
@@ -38551,7 +38549,7 @@
             </a:ln>
             <a:extLst>
               <a:ext uri="{91240B29-F687-4f45-9708-019B960494DF}">
-                <a14:hiddenLine xmlns="" xmlns:a16="http://schemas.microsoft.com/office/drawing/2014/main" xmlns:a14="http://schemas.microsoft.com/office/drawing/2010/main" w="9525">
+                <a14:hiddenLine xmlns:a14="http://schemas.microsoft.com/office/drawing/2010/main" xmlns:a16="http://schemas.microsoft.com/office/drawing/2014/main" xmlns="" w="9525">
                   <a:solidFill>
                     <a:srgbClr val="000000"/>
                   </a:solidFill>
@@ -38629,7 +38627,7 @@
             </a:ln>
             <a:extLst>
               <a:ext uri="{91240B29-F687-4f45-9708-019B960494DF}">
-                <a14:hiddenLine xmlns="" xmlns:a16="http://schemas.microsoft.com/office/drawing/2014/main" xmlns:a14="http://schemas.microsoft.com/office/drawing/2010/main" w="9525">
+                <a14:hiddenLine xmlns:a14="http://schemas.microsoft.com/office/drawing/2010/main" xmlns:a16="http://schemas.microsoft.com/office/drawing/2014/main" xmlns="" w="9525">
                   <a:solidFill>
                     <a:srgbClr val="000000"/>
                   </a:solidFill>
@@ -38741,7 +38739,7 @@
             </a:ln>
             <a:extLst>
               <a:ext uri="{91240B29-F687-4f45-9708-019B960494DF}">
-                <a14:hiddenLine xmlns="" xmlns:a16="http://schemas.microsoft.com/office/drawing/2014/main" xmlns:a14="http://schemas.microsoft.com/office/drawing/2010/main" w="9525">
+                <a14:hiddenLine xmlns:a14="http://schemas.microsoft.com/office/drawing/2010/main" xmlns:a16="http://schemas.microsoft.com/office/drawing/2014/main" xmlns="" w="9525">
                   <a:solidFill>
                     <a:srgbClr val="000000"/>
                   </a:solidFill>
@@ -38819,7 +38817,7 @@
             </a:ln>
             <a:extLst>
               <a:ext uri="{91240B29-F687-4f45-9708-019B960494DF}">
-                <a14:hiddenLine xmlns="" xmlns:a16="http://schemas.microsoft.com/office/drawing/2014/main" xmlns:a14="http://schemas.microsoft.com/office/drawing/2010/main" w="9525">
+                <a14:hiddenLine xmlns:a14="http://schemas.microsoft.com/office/drawing/2010/main" xmlns:a16="http://schemas.microsoft.com/office/drawing/2014/main" xmlns="" w="9525">
                   <a:solidFill>
                     <a:srgbClr val="000000"/>
                   </a:solidFill>
@@ -38931,7 +38929,7 @@
             </a:ln>
             <a:extLst>
               <a:ext uri="{91240B29-F687-4f45-9708-019B960494DF}">
-                <a14:hiddenLine xmlns="" xmlns:a16="http://schemas.microsoft.com/office/drawing/2014/main" xmlns:a14="http://schemas.microsoft.com/office/drawing/2010/main" w="9525">
+                <a14:hiddenLine xmlns:a14="http://schemas.microsoft.com/office/drawing/2010/main" xmlns:a16="http://schemas.microsoft.com/office/drawing/2014/main" xmlns="" w="9525">
                   <a:solidFill>
                     <a:srgbClr val="000000"/>
                   </a:solidFill>
@@ -39021,7 +39019,7 @@
             </a:ln>
             <a:extLst>
               <a:ext uri="{91240B29-F687-4f45-9708-019B960494DF}">
-                <a14:hiddenLine xmlns="" xmlns:a16="http://schemas.microsoft.com/office/drawing/2014/main" xmlns:a14="http://schemas.microsoft.com/office/drawing/2010/main" w="9525">
+                <a14:hiddenLine xmlns:a14="http://schemas.microsoft.com/office/drawing/2010/main" xmlns:a16="http://schemas.microsoft.com/office/drawing/2014/main" xmlns="" w="9525">
                   <a:solidFill>
                     <a:srgbClr val="000000"/>
                   </a:solidFill>
@@ -39133,7 +39131,7 @@
             </a:ln>
             <a:extLst>
               <a:ext uri="{91240B29-F687-4f45-9708-019B960494DF}">
-                <a14:hiddenLine xmlns="" xmlns:a16="http://schemas.microsoft.com/office/drawing/2014/main" xmlns:a14="http://schemas.microsoft.com/office/drawing/2010/main" w="9525">
+                <a14:hiddenLine xmlns:a14="http://schemas.microsoft.com/office/drawing/2010/main" xmlns:a16="http://schemas.microsoft.com/office/drawing/2014/main" xmlns="" w="9525">
                   <a:solidFill>
                     <a:srgbClr val="000000"/>
                   </a:solidFill>
@@ -39223,7 +39221,7 @@
             </a:ln>
             <a:extLst>
               <a:ext uri="{91240B29-F687-4f45-9708-019B960494DF}">
-                <a14:hiddenLine xmlns="" xmlns:a16="http://schemas.microsoft.com/office/drawing/2014/main" xmlns:a14="http://schemas.microsoft.com/office/drawing/2010/main" w="9525">
+                <a14:hiddenLine xmlns:a14="http://schemas.microsoft.com/office/drawing/2010/main" xmlns:a16="http://schemas.microsoft.com/office/drawing/2014/main" xmlns="" w="9525">
                   <a:solidFill>
                     <a:srgbClr val="000000"/>
                   </a:solidFill>
@@ -39335,7 +39333,7 @@
             </a:ln>
             <a:extLst>
               <a:ext uri="{91240B29-F687-4f45-9708-019B960494DF}">
-                <a14:hiddenLine xmlns="" xmlns:a16="http://schemas.microsoft.com/office/drawing/2014/main" xmlns:a14="http://schemas.microsoft.com/office/drawing/2010/main" w="9525">
+                <a14:hiddenLine xmlns:a14="http://schemas.microsoft.com/office/drawing/2010/main" xmlns:a16="http://schemas.microsoft.com/office/drawing/2014/main" xmlns="" w="9525">
                   <a:solidFill>
                     <a:srgbClr val="000000"/>
                   </a:solidFill>
@@ -39391,7 +39389,7 @@
             </a:ln>
             <a:extLst>
               <a:ext uri="{91240B29-F687-4f45-9708-019B960494DF}">
-                <a14:hiddenLine xmlns="" xmlns:a16="http://schemas.microsoft.com/office/drawing/2014/main" xmlns:a14="http://schemas.microsoft.com/office/drawing/2010/main" w="9525">
+                <a14:hiddenLine xmlns:a14="http://schemas.microsoft.com/office/drawing/2010/main" xmlns:a16="http://schemas.microsoft.com/office/drawing/2014/main" xmlns="" w="9525">
                   <a:solidFill>
                     <a:srgbClr val="000000"/>
                   </a:solidFill>
@@ -39503,7 +39501,7 @@
             </a:ln>
             <a:extLst>
               <a:ext uri="{91240B29-F687-4f45-9708-019B960494DF}">
-                <a14:hiddenLine xmlns="" xmlns:a16="http://schemas.microsoft.com/office/drawing/2014/main" xmlns:a14="http://schemas.microsoft.com/office/drawing/2010/main" w="9525">
+                <a14:hiddenLine xmlns:a14="http://schemas.microsoft.com/office/drawing/2010/main" xmlns:a16="http://schemas.microsoft.com/office/drawing/2014/main" xmlns="" w="9525">
                   <a:solidFill>
                     <a:srgbClr val="000000"/>
                   </a:solidFill>
@@ -39587,7 +39585,7 @@
             </a:ln>
             <a:extLst>
               <a:ext uri="{91240B29-F687-4f45-9708-019B960494DF}">
-                <a14:hiddenLine xmlns="" xmlns:a16="http://schemas.microsoft.com/office/drawing/2014/main" xmlns:a14="http://schemas.microsoft.com/office/drawing/2010/main" w="9525">
+                <a14:hiddenLine xmlns:a14="http://schemas.microsoft.com/office/drawing/2010/main" xmlns:a16="http://schemas.microsoft.com/office/drawing/2014/main" xmlns="" w="9525">
                   <a:solidFill>
                     <a:srgbClr val="000000"/>
                   </a:solidFill>
@@ -39671,7 +39669,7 @@
             </a:ln>
             <a:extLst>
               <a:ext uri="{91240B29-F687-4f45-9708-019B960494DF}">
-                <a14:hiddenLine xmlns="" xmlns:a16="http://schemas.microsoft.com/office/drawing/2014/main" xmlns:a14="http://schemas.microsoft.com/office/drawing/2010/main" w="9525">
+                <a14:hiddenLine xmlns:a14="http://schemas.microsoft.com/office/drawing/2010/main" xmlns:a16="http://schemas.microsoft.com/office/drawing/2014/main" xmlns="" w="9525">
                   <a:solidFill>
                     <a:srgbClr val="000000"/>
                   </a:solidFill>
@@ -39783,7 +39781,7 @@
             </a:ln>
             <a:extLst>
               <a:ext uri="{91240B29-F687-4f45-9708-019B960494DF}">
-                <a14:hiddenLine xmlns="" xmlns:a16="http://schemas.microsoft.com/office/drawing/2014/main" xmlns:a14="http://schemas.microsoft.com/office/drawing/2010/main" w="9525">
+                <a14:hiddenLine xmlns:a14="http://schemas.microsoft.com/office/drawing/2010/main" xmlns:a16="http://schemas.microsoft.com/office/drawing/2014/main" xmlns="" w="9525">
                   <a:solidFill>
                     <a:srgbClr val="000000"/>
                   </a:solidFill>
@@ -39873,7 +39871,7 @@
             </a:ln>
             <a:extLst>
               <a:ext uri="{91240B29-F687-4f45-9708-019B960494DF}">
-                <a14:hiddenLine xmlns="" xmlns:a16="http://schemas.microsoft.com/office/drawing/2014/main" xmlns:a14="http://schemas.microsoft.com/office/drawing/2010/main" w="9525">
+                <a14:hiddenLine xmlns:a14="http://schemas.microsoft.com/office/drawing/2010/main" xmlns:a16="http://schemas.microsoft.com/office/drawing/2014/main" xmlns="" w="9525">
                   <a:solidFill>
                     <a:srgbClr val="000000"/>
                   </a:solidFill>
@@ -39957,7 +39955,7 @@
             </a:ln>
             <a:extLst>
               <a:ext uri="{91240B29-F687-4f45-9708-019B960494DF}">
-                <a14:hiddenLine xmlns="" xmlns:a16="http://schemas.microsoft.com/office/drawing/2014/main" xmlns:a14="http://schemas.microsoft.com/office/drawing/2010/main" w="9525">
+                <a14:hiddenLine xmlns:a14="http://schemas.microsoft.com/office/drawing/2010/main" xmlns:a16="http://schemas.microsoft.com/office/drawing/2014/main" xmlns="" w="9525">
                   <a:solidFill>
                     <a:srgbClr val="000000"/>
                   </a:solidFill>
@@ -40069,7 +40067,7 @@
             </a:ln>
             <a:extLst>
               <a:ext uri="{91240B29-F687-4f45-9708-019B960494DF}">
-                <a14:hiddenLine xmlns="" xmlns:a16="http://schemas.microsoft.com/office/drawing/2014/main" xmlns:a14="http://schemas.microsoft.com/office/drawing/2010/main" w="9525">
+                <a14:hiddenLine xmlns:a14="http://schemas.microsoft.com/office/drawing/2010/main" xmlns:a16="http://schemas.microsoft.com/office/drawing/2014/main" xmlns="" w="9525">
                   <a:solidFill>
                     <a:srgbClr val="000000"/>
                   </a:solidFill>
@@ -40153,7 +40151,7 @@
             </a:ln>
             <a:extLst>
               <a:ext uri="{91240B29-F687-4f45-9708-019B960494DF}">
-                <a14:hiddenLine xmlns="" xmlns:a16="http://schemas.microsoft.com/office/drawing/2014/main" xmlns:a14="http://schemas.microsoft.com/office/drawing/2010/main" w="9525">
+                <a14:hiddenLine xmlns:a14="http://schemas.microsoft.com/office/drawing/2010/main" xmlns:a16="http://schemas.microsoft.com/office/drawing/2014/main" xmlns="" w="9525">
                   <a:solidFill>
                     <a:srgbClr val="000000"/>
                   </a:solidFill>
@@ -40265,7 +40263,7 @@
             </a:ln>
             <a:extLst>
               <a:ext uri="{91240B29-F687-4f45-9708-019B960494DF}">
-                <a14:hiddenLine xmlns="" xmlns:a16="http://schemas.microsoft.com/office/drawing/2014/main" xmlns:a14="http://schemas.microsoft.com/office/drawing/2010/main" w="9525">
+                <a14:hiddenLine xmlns:a14="http://schemas.microsoft.com/office/drawing/2010/main" xmlns:a16="http://schemas.microsoft.com/office/drawing/2014/main" xmlns="" w="9525">
                   <a:solidFill>
                     <a:srgbClr val="000000"/>
                   </a:solidFill>
@@ -40349,7 +40347,7 @@
             </a:ln>
             <a:extLst>
               <a:ext uri="{91240B29-F687-4f45-9708-019B960494DF}">
-                <a14:hiddenLine xmlns="" xmlns:a16="http://schemas.microsoft.com/office/drawing/2014/main" xmlns:a14="http://schemas.microsoft.com/office/drawing/2010/main" w="9525">
+                <a14:hiddenLine xmlns:a14="http://schemas.microsoft.com/office/drawing/2010/main" xmlns:a16="http://schemas.microsoft.com/office/drawing/2014/main" xmlns="" w="9525">
                   <a:solidFill>
                     <a:srgbClr val="000000"/>
                   </a:solidFill>
@@ -40461,7 +40459,7 @@
             </a:ln>
             <a:extLst>
               <a:ext uri="{91240B29-F687-4f45-9708-019B960494DF}">
-                <a14:hiddenLine xmlns="" xmlns:a16="http://schemas.microsoft.com/office/drawing/2014/main" xmlns:a14="http://schemas.microsoft.com/office/drawing/2010/main" w="9525">
+                <a14:hiddenLine xmlns:a14="http://schemas.microsoft.com/office/drawing/2010/main" xmlns:a16="http://schemas.microsoft.com/office/drawing/2014/main" xmlns="" w="9525">
                   <a:solidFill>
                     <a:srgbClr val="000000"/>
                   </a:solidFill>
@@ -40517,7 +40515,7 @@
             </a:ln>
             <a:extLst>
               <a:ext uri="{91240B29-F687-4f45-9708-019B960494DF}">
-                <a14:hiddenLine xmlns="" xmlns:a16="http://schemas.microsoft.com/office/drawing/2014/main" xmlns:a14="http://schemas.microsoft.com/office/drawing/2010/main" w="9525">
+                <a14:hiddenLine xmlns:a14="http://schemas.microsoft.com/office/drawing/2010/main" xmlns:a16="http://schemas.microsoft.com/office/drawing/2014/main" xmlns="" w="9525">
                   <a:solidFill>
                     <a:srgbClr val="000000"/>
                   </a:solidFill>
@@ -40604,7 +40602,7 @@
             </a:ln>
             <a:extLst>
               <a:ext uri="{91240B29-F687-4f45-9708-019B960494DF}">
-                <a14:hiddenLine xmlns="" xmlns:a16="http://schemas.microsoft.com/office/drawing/2014/main" xmlns:a14="http://schemas.microsoft.com/office/drawing/2010/main" w="9525">
+                <a14:hiddenLine xmlns:a14="http://schemas.microsoft.com/office/drawing/2010/main" xmlns:a16="http://schemas.microsoft.com/office/drawing/2014/main" xmlns="" w="9525">
                   <a:solidFill>
                     <a:srgbClr val="000000"/>
                   </a:solidFill>
@@ -40716,7 +40714,7 @@
             </a:ln>
             <a:extLst>
               <a:ext uri="{91240B29-F687-4f45-9708-019B960494DF}">
-                <a14:hiddenLine xmlns="" xmlns:a16="http://schemas.microsoft.com/office/drawing/2014/main" xmlns:a14="http://schemas.microsoft.com/office/drawing/2010/main" w="9525">
+                <a14:hiddenLine xmlns:a14="http://schemas.microsoft.com/office/drawing/2010/main" xmlns:a16="http://schemas.microsoft.com/office/drawing/2014/main" xmlns="" w="9525">
                   <a:solidFill>
                     <a:srgbClr val="000000"/>
                   </a:solidFill>
@@ -40800,7 +40798,7 @@
             </a:ln>
             <a:extLst>
               <a:ext uri="{91240B29-F687-4f45-9708-019B960494DF}">
-                <a14:hiddenLine xmlns="" xmlns:a16="http://schemas.microsoft.com/office/drawing/2014/main" xmlns:a14="http://schemas.microsoft.com/office/drawing/2010/main" w="9525">
+                <a14:hiddenLine xmlns:a14="http://schemas.microsoft.com/office/drawing/2010/main" xmlns:a16="http://schemas.microsoft.com/office/drawing/2014/main" xmlns="" w="9525">
                   <a:solidFill>
                     <a:srgbClr val="000000"/>
                   </a:solidFill>
@@ -40912,7 +40910,7 @@
             </a:ln>
             <a:extLst>
               <a:ext uri="{91240B29-F687-4f45-9708-019B960494DF}">
-                <a14:hiddenLine xmlns="" xmlns:a16="http://schemas.microsoft.com/office/drawing/2014/main" xmlns:a14="http://schemas.microsoft.com/office/drawing/2010/main" w="9525">
+                <a14:hiddenLine xmlns:a14="http://schemas.microsoft.com/office/drawing/2010/main" xmlns:a16="http://schemas.microsoft.com/office/drawing/2014/main" xmlns="" w="9525">
                   <a:solidFill>
                     <a:srgbClr val="000000"/>
                   </a:solidFill>
@@ -41024,7 +41022,7 @@
             </a:ln>
             <a:extLst>
               <a:ext uri="{91240B29-F687-4f45-9708-019B960494DF}">
-                <a14:hiddenLine xmlns="" xmlns:a16="http://schemas.microsoft.com/office/drawing/2014/main" xmlns:a14="http://schemas.microsoft.com/office/drawing/2010/main" w="9525">
+                <a14:hiddenLine xmlns:a14="http://schemas.microsoft.com/office/drawing/2010/main" xmlns:a16="http://schemas.microsoft.com/office/drawing/2014/main" xmlns="" w="9525">
                   <a:solidFill>
                     <a:srgbClr val="000000"/>
                   </a:solidFill>
@@ -41111,7 +41109,7 @@
             </a:ln>
             <a:extLst>
               <a:ext uri="{91240B29-F687-4f45-9708-019B960494DF}">
-                <a14:hiddenLine xmlns="" xmlns:a16="http://schemas.microsoft.com/office/drawing/2014/main" xmlns:a14="http://schemas.microsoft.com/office/drawing/2010/main" w="9525">
+                <a14:hiddenLine xmlns:a14="http://schemas.microsoft.com/office/drawing/2010/main" xmlns:a16="http://schemas.microsoft.com/office/drawing/2014/main" xmlns="" w="9525">
                   <a:solidFill>
                     <a:srgbClr val="000000"/>
                   </a:solidFill>
@@ -41195,7 +41193,7 @@
             </a:ln>
             <a:extLst>
               <a:ext uri="{91240B29-F687-4f45-9708-019B960494DF}">
-                <a14:hiddenLine xmlns="" xmlns:a16="http://schemas.microsoft.com/office/drawing/2014/main" xmlns:a14="http://schemas.microsoft.com/office/drawing/2010/main" w="9525">
+                <a14:hiddenLine xmlns:a14="http://schemas.microsoft.com/office/drawing/2010/main" xmlns:a16="http://schemas.microsoft.com/office/drawing/2014/main" xmlns="" w="9525">
                   <a:solidFill>
                     <a:srgbClr val="000000"/>
                   </a:solidFill>
@@ -41307,7 +41305,7 @@
             </a:ln>
             <a:extLst>
               <a:ext uri="{91240B29-F687-4f45-9708-019B960494DF}">
-                <a14:hiddenLine xmlns="" xmlns:a16="http://schemas.microsoft.com/office/drawing/2014/main" xmlns:a14="http://schemas.microsoft.com/office/drawing/2010/main" w="9525">
+                <a14:hiddenLine xmlns:a14="http://schemas.microsoft.com/office/drawing/2010/main" xmlns:a16="http://schemas.microsoft.com/office/drawing/2014/main" xmlns="" w="9525">
                   <a:solidFill>
                     <a:srgbClr val="000000"/>
                   </a:solidFill>
@@ -41419,7 +41417,7 @@
             </a:ln>
             <a:extLst>
               <a:ext uri="{91240B29-F687-4f45-9708-019B960494DF}">
-                <a14:hiddenLine xmlns="" xmlns:a16="http://schemas.microsoft.com/office/drawing/2014/main" xmlns:a14="http://schemas.microsoft.com/office/drawing/2010/main" w="9525">
+                <a14:hiddenLine xmlns:a14="http://schemas.microsoft.com/office/drawing/2010/main" xmlns:a16="http://schemas.microsoft.com/office/drawing/2014/main" xmlns="" w="9525">
                   <a:solidFill>
                     <a:srgbClr val="000000"/>
                   </a:solidFill>
@@ -41503,7 +41501,7 @@
             </a:ln>
             <a:extLst>
               <a:ext uri="{91240B29-F687-4f45-9708-019B960494DF}">
-                <a14:hiddenLine xmlns="" xmlns:a16="http://schemas.microsoft.com/office/drawing/2014/main" xmlns:a14="http://schemas.microsoft.com/office/drawing/2010/main" w="9525">
+                <a14:hiddenLine xmlns:a14="http://schemas.microsoft.com/office/drawing/2010/main" xmlns:a16="http://schemas.microsoft.com/office/drawing/2014/main" xmlns="" w="9525">
                   <a:solidFill>
                     <a:srgbClr val="000000"/>
                   </a:solidFill>
@@ -41645,7 +41643,7 @@
             </a:ln>
             <a:extLst>
               <a:ext uri="{91240B29-F687-4f45-9708-019B960494DF}">
-                <a14:hiddenLine xmlns="" xmlns:a16="http://schemas.microsoft.com/office/drawing/2014/main" xmlns:a14="http://schemas.microsoft.com/office/drawing/2010/main" w="9525">
+                <a14:hiddenLine xmlns:a14="http://schemas.microsoft.com/office/drawing/2010/main" xmlns:a16="http://schemas.microsoft.com/office/drawing/2014/main" xmlns="" w="9525">
                   <a:solidFill>
                     <a:srgbClr val="000000"/>
                   </a:solidFill>
@@ -41735,7 +41733,7 @@
             </a:ln>
             <a:extLst>
               <a:ext uri="{91240B29-F687-4f45-9708-019B960494DF}">
-                <a14:hiddenLine xmlns="" xmlns:a16="http://schemas.microsoft.com/office/drawing/2014/main" xmlns:a14="http://schemas.microsoft.com/office/drawing/2010/main" w="9525">
+                <a14:hiddenLine xmlns:a14="http://schemas.microsoft.com/office/drawing/2010/main" xmlns:a16="http://schemas.microsoft.com/office/drawing/2014/main" xmlns="" w="9525">
                   <a:solidFill>
                     <a:srgbClr val="000000"/>
                   </a:solidFill>
@@ -41847,7 +41845,7 @@
             </a:ln>
             <a:extLst>
               <a:ext uri="{91240B29-F687-4f45-9708-019B960494DF}">
-                <a14:hiddenLine xmlns="" xmlns:a16="http://schemas.microsoft.com/office/drawing/2014/main" xmlns:a14="http://schemas.microsoft.com/office/drawing/2010/main" w="9525">
+                <a14:hiddenLine xmlns:a14="http://schemas.microsoft.com/office/drawing/2010/main" xmlns:a16="http://schemas.microsoft.com/office/drawing/2014/main" xmlns="" w="9525">
                   <a:solidFill>
                     <a:srgbClr val="000000"/>
                   </a:solidFill>
@@ -42077,13 +42075,13 @@
   <p:clrMapOvr>
     <a:masterClrMapping/>
   </p:clrMapOvr>
-  <mc:AlternateContent xmlns:mc="http://schemas.openxmlformats.org/markup-compatibility/2006">
-    <mc:Choice xmlns:p159="http://schemas.microsoft.com/office/powerpoint/2015/09/main" Requires="p159">
+  <mc:AlternateContent xmlns:mc="http://schemas.openxmlformats.org/markup-compatibility/2006" xmlns:p159="http://schemas.microsoft.com/office/powerpoint/2015/09/main">
+    <mc:Choice Requires="p159">
       <p:transition spd="slow">
         <p159:morph option="byObject"/>
       </p:transition>
     </mc:Choice>
-    <mc:Fallback>
+    <mc:Fallback xmlns="">
       <p:transition spd="slow">
         <p:fade/>
       </p:transition>
@@ -42329,13 +42327,13 @@
   <p:clrMapOvr>
     <a:masterClrMapping/>
   </p:clrMapOvr>
-  <mc:AlternateContent xmlns:mc="http://schemas.openxmlformats.org/markup-compatibility/2006">
-    <mc:Choice xmlns:p159="http://schemas.microsoft.com/office/powerpoint/2015/09/main" Requires="p159">
+  <mc:AlternateContent xmlns:mc="http://schemas.openxmlformats.org/markup-compatibility/2006" xmlns:p159="http://schemas.microsoft.com/office/powerpoint/2015/09/main">
+    <mc:Choice Requires="p159">
       <p:transition spd="slow">
         <p159:morph option="byObject"/>
       </p:transition>
     </mc:Choice>
-    <mc:Fallback>
+    <mc:Fallback xmlns="">
       <p:transition spd="slow">
         <p:fade/>
       </p:transition>
@@ -42735,13 +42733,13 @@
   <p:clrMapOvr>
     <a:masterClrMapping/>
   </p:clrMapOvr>
-  <mc:AlternateContent xmlns:mc="http://schemas.openxmlformats.org/markup-compatibility/2006">
-    <mc:Choice xmlns:p159="http://schemas.microsoft.com/office/powerpoint/2015/09/main" Requires="p159">
+  <mc:AlternateContent xmlns:mc="http://schemas.openxmlformats.org/markup-compatibility/2006" xmlns:p159="http://schemas.microsoft.com/office/powerpoint/2015/09/main">
+    <mc:Choice Requires="p159">
       <p:transition spd="slow">
         <p159:morph option="byObject"/>
       </p:transition>
     </mc:Choice>
-    <mc:Fallback>
+    <mc:Fallback xmlns="">
       <p:transition spd="slow">
         <p:fade/>
       </p:transition>
@@ -43086,13 +43084,13 @@
   <p:clrMapOvr>
     <a:masterClrMapping/>
   </p:clrMapOvr>
-  <mc:AlternateContent xmlns:mc="http://schemas.openxmlformats.org/markup-compatibility/2006">
-    <mc:Choice xmlns:p159="http://schemas.microsoft.com/office/powerpoint/2015/09/main" Requires="p159">
+  <mc:AlternateContent xmlns:mc="http://schemas.openxmlformats.org/markup-compatibility/2006" xmlns:p159="http://schemas.microsoft.com/office/powerpoint/2015/09/main">
+    <mc:Choice Requires="p159">
       <p:transition spd="slow">
         <p159:morph option="byObject"/>
       </p:transition>
     </mc:Choice>
-    <mc:Fallback>
+    <mc:Fallback xmlns="">
       <p:transition spd="slow">
         <p:fade/>
       </p:transition>
@@ -43727,13 +43725,13 @@
   <p:clrMapOvr>
     <a:masterClrMapping/>
   </p:clrMapOvr>
-  <mc:AlternateContent xmlns:mc="http://schemas.openxmlformats.org/markup-compatibility/2006">
-    <mc:Choice xmlns:p159="http://schemas.microsoft.com/office/powerpoint/2015/09/main" Requires="p159">
+  <mc:AlternateContent xmlns:mc="http://schemas.openxmlformats.org/markup-compatibility/2006" xmlns:p159="http://schemas.microsoft.com/office/powerpoint/2015/09/main">
+    <mc:Choice Requires="p159">
       <p:transition spd="slow">
         <p159:morph option="byObject"/>
       </p:transition>
     </mc:Choice>
-    <mc:Fallback>
+    <mc:Fallback xmlns="">
       <p:transition spd="slow">
         <p:fade/>
       </p:transition>
@@ -44153,13 +44151,13 @@
   <p:clrMapOvr>
     <a:masterClrMapping/>
   </p:clrMapOvr>
-  <mc:AlternateContent xmlns:mc="http://schemas.openxmlformats.org/markup-compatibility/2006">
-    <mc:Choice xmlns:p159="http://schemas.microsoft.com/office/powerpoint/2015/09/main" Requires="p159">
+  <mc:AlternateContent xmlns:mc="http://schemas.openxmlformats.org/markup-compatibility/2006" xmlns:p159="http://schemas.microsoft.com/office/powerpoint/2015/09/main">
+    <mc:Choice Requires="p159">
       <p:transition spd="slow">
         <p159:morph option="byObject"/>
       </p:transition>
     </mc:Choice>
-    <mc:Fallback>
+    <mc:Fallback xmlns="">
       <p:transition spd="slow">
         <p:fade/>
       </p:transition>
@@ -44277,7 +44275,7 @@
             </a:r>
             <a:r>
               <a:rPr lang="en-US" dirty="0"/>
-              <a:t> was used run mutation testing.</a:t>
+              <a:t> was used to run mutation testing.</a:t>
             </a:r>
           </a:p>
           <a:p>
@@ -44421,13 +44419,13 @@
   <p:clrMapOvr>
     <a:masterClrMapping/>
   </p:clrMapOvr>
-  <mc:AlternateContent xmlns:mc="http://schemas.openxmlformats.org/markup-compatibility/2006">
-    <mc:Choice xmlns:p159="http://schemas.microsoft.com/office/powerpoint/2015/09/main" Requires="p159">
+  <mc:AlternateContent xmlns:mc="http://schemas.openxmlformats.org/markup-compatibility/2006" xmlns:p159="http://schemas.microsoft.com/office/powerpoint/2015/09/main">
+    <mc:Choice Requires="p159">
       <p:transition spd="slow">
         <p159:morph option="byObject"/>
       </p:transition>
     </mc:Choice>
-    <mc:Fallback>
+    <mc:Fallback xmlns="">
       <p:transition spd="slow">
         <p:fade/>
       </p:transition>
@@ -44891,13 +44889,13 @@
   <p:clrMapOvr>
     <a:masterClrMapping/>
   </p:clrMapOvr>
-  <mc:AlternateContent xmlns:mc="http://schemas.openxmlformats.org/markup-compatibility/2006">
-    <mc:Choice xmlns:p159="http://schemas.microsoft.com/office/powerpoint/2015/09/main" Requires="p159">
+  <mc:AlternateContent xmlns:mc="http://schemas.openxmlformats.org/markup-compatibility/2006" xmlns:p159="http://schemas.microsoft.com/office/powerpoint/2015/09/main">
+    <mc:Choice Requires="p159">
       <p:transition spd="slow">
         <p159:morph option="byObject"/>
       </p:transition>
     </mc:Choice>
-    <mc:Fallback>
+    <mc:Fallback xmlns="">
       <p:transition spd="slow">
         <p:fade/>
       </p:transition>
@@ -45067,13 +45065,13 @@
   <p:clrMapOvr>
     <a:masterClrMapping/>
   </p:clrMapOvr>
-  <mc:AlternateContent xmlns:mc="http://schemas.openxmlformats.org/markup-compatibility/2006">
-    <mc:Choice xmlns:p159="http://schemas.microsoft.com/office/powerpoint/2015/09/main" Requires="p159">
+  <mc:AlternateContent xmlns:mc="http://schemas.openxmlformats.org/markup-compatibility/2006" xmlns:p159="http://schemas.microsoft.com/office/powerpoint/2015/09/main">
+    <mc:Choice Requires="p159">
       <p:transition spd="slow">
         <p159:morph option="byObject"/>
       </p:transition>
     </mc:Choice>
-    <mc:Fallback>
+    <mc:Fallback xmlns="">
       <p:transition spd="slow">
         <p:fade/>
       </p:transition>
